--- a/images/example_graphs/financial_transactions_schema.pptx
+++ b/images/example_graphs/financial_transactions_schema.pptx
@@ -5,10 +5,11 @@
     <p:sldMasterId id="2147483741" r:id="rId1"/>
   </p:sldMasterIdLst>
   <p:notesMasterIdLst>
-    <p:notesMasterId r:id="rId3"/>
+    <p:notesMasterId r:id="rId4"/>
   </p:notesMasterIdLst>
   <p:sldIdLst>
     <p:sldId id="388" r:id="rId2"/>
+    <p:sldId id="389" r:id="rId3"/>
   </p:sldIdLst>
   <p:sldSz cx="12192000" cy="6858000"/>
   <p:notesSz cx="6858000" cy="9144000"/>
@@ -113,6 +114,7 @@
         <p14:section name="Dark Theme" id="{0A4C56C7-3C07-C444-AAE7-366C30403B69}">
           <p14:sldIdLst>
             <p14:sldId id="388"/>
+            <p14:sldId id="389"/>
           </p14:sldIdLst>
         </p14:section>
       </p14:sectionLst>
@@ -217,7 +219,7 @@
           <a:p>
             <a:fld id="{4F9C25BA-F9B0-4418-8CA0-3A9DF1256BA5}" type="datetimeFigureOut">
               <a:rPr lang="en-US" smtClean="0"/>
-              <a:t>7/14/20</a:t>
+              <a:t>11/3/20</a:t>
             </a:fld>
             <a:endParaRPr lang="en-US"/>
           </a:p>
@@ -33813,10 +33815,73 @@
       </p:sp>
       <p:sp>
         <p:nvSpPr>
-          <p:cNvPr id="4" name="Rectangle 3">
-            <a:extLst>
-              <a:ext uri="{FF2B5EF4-FFF2-40B4-BE49-F238E27FC236}">
-                <a16:creationId xmlns:a16="http://schemas.microsoft.com/office/drawing/2014/main" id="{EA7CA8FF-7D3D-FA41-9768-D1EDC78325A8}"/>
+          <p:cNvPr id="5" name="TextBox 4">
+            <a:extLst>
+              <a:ext uri="{FF2B5EF4-FFF2-40B4-BE49-F238E27FC236}">
+                <a16:creationId xmlns:a16="http://schemas.microsoft.com/office/drawing/2014/main" id="{A86A04DD-4B8D-3C47-B35A-7F920253DC23}"/>
+              </a:ext>
+            </a:extLst>
+          </p:cNvPr>
+          <p:cNvSpPr txBox="1"/>
+          <p:nvPr/>
+        </p:nvSpPr>
+        <p:spPr>
+          <a:xfrm>
+            <a:off x="1468970" y="4241094"/>
+            <a:ext cx="3508844" cy="261610"/>
+          </a:xfrm>
+          <a:prstGeom prst="rect">
+            <a:avLst/>
+          </a:prstGeom>
+          <a:noFill/>
+        </p:spPr>
+        <p:txBody>
+          <a:bodyPr wrap="square" rtlCol="0">
+            <a:spAutoFit/>
+          </a:bodyPr>
+          <a:lstStyle/>
+          <a:p>
+            <a:r>
+              <a:rPr lang="en-US" sz="1050" b="1" dirty="0">
+                <a:solidFill>
+                  <a:schemeClr val="bg2"/>
+                </a:solidFill>
+              </a:rPr>
+              <a:t>Note</a:t>
+            </a:r>
+            <a:r>
+              <a:rPr lang="en-US" sz="1050" dirty="0">
+                <a:solidFill>
+                  <a:schemeClr val="bg2"/>
+                </a:solidFill>
+              </a:rPr>
+              <a:t>: Columns in </a:t>
+            </a:r>
+            <a:r>
+              <a:rPr lang="en-US" sz="1050" dirty="0">
+                <a:solidFill>
+                  <a:schemeClr val="accent1"/>
+                </a:solidFill>
+              </a:rPr>
+              <a:t>RED</a:t>
+            </a:r>
+            <a:r>
+              <a:rPr lang="en-US" sz="1050" dirty="0">
+                <a:solidFill>
+                  <a:schemeClr val="bg2"/>
+                </a:solidFill>
+              </a:rPr>
+              <a:t> indicate primary keys</a:t>
+            </a:r>
+          </a:p>
+        </p:txBody>
+      </p:sp>
+      <p:sp>
+        <p:nvSpPr>
+          <p:cNvPr id="14" name="Rectangle 13">
+            <a:extLst>
+              <a:ext uri="{FF2B5EF4-FFF2-40B4-BE49-F238E27FC236}">
+                <a16:creationId xmlns:a16="http://schemas.microsoft.com/office/drawing/2014/main" id="{1D646510-AEED-C14F-824B-F957DFA59E15}"/>
               </a:ext>
             </a:extLst>
           </p:cNvPr>
@@ -33825,8 +33890,8 @@
         </p:nvSpPr>
         <p:spPr>
           <a:xfrm>
-            <a:off x="8631754" y="2363761"/>
-            <a:ext cx="1404258" cy="2122210"/>
+            <a:off x="3516881" y="2840608"/>
+            <a:ext cx="1479697" cy="804590"/>
           </a:xfrm>
           <a:prstGeom prst="rect">
             <a:avLst/>
@@ -33862,167 +33927,52 @@
           <a:lstStyle/>
           <a:p>
             <a:r>
-              <a:rPr lang="en-US" sz="1200" dirty="0" err="1">
+              <a:rPr lang="en-US" sz="1200" dirty="0">
                 <a:solidFill>
                   <a:schemeClr val="accent1"/>
                 </a:solidFill>
               </a:rPr>
-              <a:t>employee_id</a:t>
-            </a:r>
-            <a:endParaRPr lang="en-US" sz="1200" dirty="0">
-              <a:solidFill>
-                <a:schemeClr val="accent1"/>
-              </a:solidFill>
-            </a:endParaRPr>
-          </a:p>
-          <a:p>
-            <a:r>
-              <a:rPr lang="en-US" sz="1200" dirty="0" err="1">
+              <a:t>number</a:t>
+            </a:r>
+          </a:p>
+          <a:p>
+            <a:r>
+              <a:rPr lang="en-US" sz="1200" dirty="0">
                 <a:solidFill>
                   <a:schemeClr val="tx1"/>
                 </a:solidFill>
               </a:rPr>
-              <a:t>first_name</a:t>
-            </a:r>
-            <a:endParaRPr lang="en-US" sz="1200" dirty="0">
-              <a:solidFill>
-                <a:schemeClr val="tx1"/>
-              </a:solidFill>
-            </a:endParaRPr>
-          </a:p>
-          <a:p>
-            <a:r>
-              <a:rPr lang="en-US" sz="1200" dirty="0" err="1">
-                <a:solidFill>
-                  <a:schemeClr val="tx1"/>
+              <a:t>account_type</a:t>
+            </a:r>
+          </a:p>
+          <a:p>
+            <a:r>
+              <a:rPr lang="en-US" sz="1200" dirty="0">
+                <a:solidFill>
+                  <a:srgbClr val="002060"/>
                 </a:solidFill>
               </a:rPr>
-              <a:t>last_name</a:t>
-            </a:r>
-            <a:endParaRPr lang="en-US" sz="1200" dirty="0">
-              <a:solidFill>
-                <a:schemeClr val="tx1"/>
-              </a:solidFill>
-            </a:endParaRPr>
+              <a:t>person_id</a:t>
+            </a:r>
           </a:p>
           <a:p>
             <a:r>
               <a:rPr lang="en-US" sz="1200" dirty="0">
                 <a:solidFill>
-                  <a:schemeClr val="tx1"/>
+                  <a:srgbClr val="002060"/>
                 </a:solidFill>
               </a:rPr>
-              <a:t>email</a:t>
-            </a:r>
-          </a:p>
-          <a:p>
-            <a:r>
-              <a:rPr lang="en-US" sz="1200" dirty="0" err="1">
-                <a:solidFill>
-                  <a:schemeClr val="tx1"/>
-                </a:solidFill>
-              </a:rPr>
-              <a:t>phone_number</a:t>
-            </a:r>
-            <a:endParaRPr lang="en-US" sz="1200" dirty="0">
-              <a:solidFill>
-                <a:schemeClr val="tx1"/>
-              </a:solidFill>
-            </a:endParaRPr>
-          </a:p>
-          <a:p>
-            <a:r>
-              <a:rPr lang="en-US" sz="1200" dirty="0" err="1">
-                <a:solidFill>
-                  <a:schemeClr val="tx1"/>
-                </a:solidFill>
-              </a:rPr>
-              <a:t>hire_date</a:t>
-            </a:r>
-            <a:endParaRPr lang="en-US" sz="1200" dirty="0">
-              <a:solidFill>
-                <a:schemeClr val="tx1"/>
-              </a:solidFill>
-            </a:endParaRPr>
-          </a:p>
-          <a:p>
-            <a:r>
-              <a:rPr lang="en-US" sz="1200" dirty="0" err="1">
-                <a:solidFill>
-                  <a:schemeClr val="tx1"/>
-                </a:solidFill>
-              </a:rPr>
-              <a:t>job_id</a:t>
-            </a:r>
-            <a:endParaRPr lang="en-US" sz="1200" dirty="0">
-              <a:solidFill>
-                <a:schemeClr val="tx1"/>
-              </a:solidFill>
-            </a:endParaRPr>
-          </a:p>
-          <a:p>
-            <a:r>
-              <a:rPr lang="en-US" sz="1200" dirty="0">
-                <a:solidFill>
-                  <a:schemeClr val="tx1"/>
-                </a:solidFill>
-              </a:rPr>
-              <a:t>salary</a:t>
-            </a:r>
-          </a:p>
-          <a:p>
-            <a:r>
-              <a:rPr lang="en-US" sz="1200" dirty="0" err="1">
-                <a:solidFill>
-                  <a:schemeClr val="tx1"/>
-                </a:solidFill>
-              </a:rPr>
-              <a:t>commission_pct</a:t>
-            </a:r>
-            <a:endParaRPr lang="en-US" sz="1200" dirty="0">
-              <a:solidFill>
-                <a:schemeClr val="tx1"/>
-              </a:solidFill>
-            </a:endParaRPr>
-          </a:p>
-          <a:p>
-            <a:r>
-              <a:rPr lang="en-US" sz="1200" dirty="0" err="1">
-                <a:solidFill>
-                  <a:schemeClr val="tx1"/>
-                </a:solidFill>
-              </a:rPr>
-              <a:t>manager_id</a:t>
-            </a:r>
-            <a:endParaRPr lang="en-US" sz="1200" dirty="0">
-              <a:solidFill>
-                <a:schemeClr val="tx1"/>
-              </a:solidFill>
-            </a:endParaRPr>
-          </a:p>
-          <a:p>
-            <a:r>
-              <a:rPr lang="en-US" sz="1200" dirty="0" err="1">
-                <a:solidFill>
-                  <a:schemeClr val="tx1"/>
-                </a:solidFill>
-              </a:rPr>
-              <a:t>department_id</a:t>
-            </a:r>
-            <a:endParaRPr lang="en-US" sz="1200" dirty="0">
-              <a:solidFill>
-                <a:schemeClr val="tx1"/>
-              </a:solidFill>
-            </a:endParaRPr>
+              <a:t>company_id</a:t>
+            </a:r>
           </a:p>
         </p:txBody>
       </p:sp>
       <p:sp>
         <p:nvSpPr>
-          <p:cNvPr id="7" name="Rectangle 6">
-            <a:extLst>
-              <a:ext uri="{FF2B5EF4-FFF2-40B4-BE49-F238E27FC236}">
-                <a16:creationId xmlns:a16="http://schemas.microsoft.com/office/drawing/2014/main" id="{BE362098-34EB-CA48-A335-94FD4A6627DA}"/>
+          <p:cNvPr id="15" name="Rectangle 14">
+            <a:extLst>
+              <a:ext uri="{FF2B5EF4-FFF2-40B4-BE49-F238E27FC236}">
+                <a16:creationId xmlns:a16="http://schemas.microsoft.com/office/drawing/2014/main" id="{7FEA751D-5101-BE44-B7B9-9E0AA379AAC1}"/>
               </a:ext>
             </a:extLst>
           </p:cNvPr>
@@ -34031,8 +33981,8 @@
         </p:nvSpPr>
         <p:spPr>
           <a:xfrm>
-            <a:off x="8631754" y="2113392"/>
-            <a:ext cx="1404258" cy="250369"/>
+            <a:off x="3516882" y="2590239"/>
+            <a:ext cx="1479696" cy="250369"/>
           </a:xfrm>
           <a:prstGeom prst="rect">
             <a:avLst/>
@@ -34066,80 +34016,17 @@
           <a:p>
             <a:r>
               <a:rPr lang="en-US" sz="1400" dirty="0"/>
-              <a:t>Employees</a:t>
+              <a:t>Accounts</a:t>
             </a:r>
           </a:p>
         </p:txBody>
       </p:sp>
       <p:sp>
         <p:nvSpPr>
-          <p:cNvPr id="5" name="TextBox 4">
-            <a:extLst>
-              <a:ext uri="{FF2B5EF4-FFF2-40B4-BE49-F238E27FC236}">
-                <a16:creationId xmlns:a16="http://schemas.microsoft.com/office/drawing/2014/main" id="{A86A04DD-4B8D-3C47-B35A-7F920253DC23}"/>
-              </a:ext>
-            </a:extLst>
-          </p:cNvPr>
-          <p:cNvSpPr txBox="1"/>
-          <p:nvPr/>
-        </p:nvSpPr>
-        <p:spPr>
-          <a:xfrm>
-            <a:off x="4029740" y="5357776"/>
-            <a:ext cx="3508844" cy="261610"/>
-          </a:xfrm>
-          <a:prstGeom prst="rect">
-            <a:avLst/>
-          </a:prstGeom>
-          <a:noFill/>
-        </p:spPr>
-        <p:txBody>
-          <a:bodyPr wrap="square" rtlCol="0">
-            <a:spAutoFit/>
-          </a:bodyPr>
-          <a:lstStyle/>
-          <a:p>
-            <a:r>
-              <a:rPr lang="en-US" sz="1050" b="1" dirty="0">
-                <a:solidFill>
-                  <a:schemeClr val="bg2"/>
-                </a:solidFill>
-              </a:rPr>
-              <a:t>Note</a:t>
-            </a:r>
-            <a:r>
-              <a:rPr lang="en-US" sz="1050" dirty="0">
-                <a:solidFill>
-                  <a:schemeClr val="bg2"/>
-                </a:solidFill>
-              </a:rPr>
-              <a:t>: Columns in </a:t>
-            </a:r>
-            <a:r>
-              <a:rPr lang="en-US" sz="1050" dirty="0">
-                <a:solidFill>
-                  <a:schemeClr val="accent1"/>
-                </a:solidFill>
-              </a:rPr>
-              <a:t>RED</a:t>
-            </a:r>
-            <a:r>
-              <a:rPr lang="en-US" sz="1050" dirty="0">
-                <a:solidFill>
-                  <a:schemeClr val="bg2"/>
-                </a:solidFill>
-              </a:rPr>
-              <a:t> indicate primary keys</a:t>
-            </a:r>
-          </a:p>
-        </p:txBody>
-      </p:sp>
-      <p:sp>
-        <p:nvSpPr>
-          <p:cNvPr id="10" name="Rectangle 9">
-            <a:extLst>
-              <a:ext uri="{FF2B5EF4-FFF2-40B4-BE49-F238E27FC236}">
-                <a16:creationId xmlns:a16="http://schemas.microsoft.com/office/drawing/2014/main" id="{8D8882DC-A8E2-1443-93DC-3A3D858FE7F6}"/>
+          <p:cNvPr id="16" name="Rectangle 15">
+            <a:extLst>
+              <a:ext uri="{FF2B5EF4-FFF2-40B4-BE49-F238E27FC236}">
+                <a16:creationId xmlns:a16="http://schemas.microsoft.com/office/drawing/2014/main" id="{DFE2169C-50C6-D74F-8053-87C635687C9A}"/>
               </a:ext>
             </a:extLst>
           </p:cNvPr>
@@ -34148,8 +34035,8 @@
         </p:nvSpPr>
         <p:spPr>
           <a:xfrm>
-            <a:off x="6430256" y="2886198"/>
-            <a:ext cx="1479696" cy="856461"/>
+            <a:off x="1544232" y="2428922"/>
+            <a:ext cx="1479696" cy="646592"/>
           </a:xfrm>
           <a:prstGeom prst="rect">
             <a:avLst/>
@@ -34185,72 +34072,42 @@
           <a:lstStyle/>
           <a:p>
             <a:r>
-              <a:rPr lang="en-US" sz="1200" dirty="0" err="1">
+              <a:rPr lang="en-US" sz="1200" dirty="0">
                 <a:solidFill>
                   <a:schemeClr val="accent1"/>
                 </a:solidFill>
               </a:rPr>
-              <a:t>job_id</a:t>
-            </a:r>
-            <a:endParaRPr lang="en-US" sz="1200" dirty="0">
-              <a:solidFill>
-                <a:schemeClr val="accent1"/>
-              </a:solidFill>
-            </a:endParaRPr>
-          </a:p>
-          <a:p>
-            <a:r>
-              <a:rPr lang="en-US" sz="1200" dirty="0" err="1">
+              <a:t>id</a:t>
+            </a:r>
+          </a:p>
+          <a:p>
+            <a:r>
+              <a:rPr lang="en-US" sz="1200" dirty="0">
                 <a:solidFill>
                   <a:schemeClr val="tx1"/>
                 </a:solidFill>
               </a:rPr>
-              <a:t>job_title</a:t>
-            </a:r>
-            <a:endParaRPr lang="en-US" sz="1200" dirty="0">
-              <a:solidFill>
-                <a:schemeClr val="tx1"/>
-              </a:solidFill>
-            </a:endParaRPr>
-          </a:p>
-          <a:p>
-            <a:r>
-              <a:rPr lang="en-US" sz="1200" dirty="0" err="1">
-                <a:solidFill>
-                  <a:schemeClr val="tx1"/>
+              <a:t>name</a:t>
+            </a:r>
+          </a:p>
+          <a:p>
+            <a:r>
+              <a:rPr lang="en-US" sz="1200" dirty="0">
+                <a:solidFill>
+                  <a:srgbClr val="002060"/>
                 </a:solidFill>
               </a:rPr>
-              <a:t>min_salary</a:t>
-            </a:r>
-            <a:endParaRPr lang="en-US" sz="1200" dirty="0">
-              <a:solidFill>
-                <a:schemeClr val="tx1"/>
-              </a:solidFill>
-            </a:endParaRPr>
-          </a:p>
-          <a:p>
-            <a:r>
-              <a:rPr lang="en-US" sz="1200" dirty="0" err="1">
-                <a:solidFill>
-                  <a:schemeClr val="tx1"/>
-                </a:solidFill>
-              </a:rPr>
-              <a:t>max_salary</a:t>
-            </a:r>
-            <a:endParaRPr lang="en-US" sz="1200" dirty="0">
-              <a:solidFill>
-                <a:schemeClr val="tx1"/>
-              </a:solidFill>
-            </a:endParaRPr>
+              <a:t>company_id</a:t>
+            </a:r>
           </a:p>
         </p:txBody>
       </p:sp>
       <p:sp>
         <p:nvSpPr>
-          <p:cNvPr id="11" name="Rectangle 10">
-            <a:extLst>
-              <a:ext uri="{FF2B5EF4-FFF2-40B4-BE49-F238E27FC236}">
-                <a16:creationId xmlns:a16="http://schemas.microsoft.com/office/drawing/2014/main" id="{1562093E-FD0B-B74D-B3A3-9B7A84717790}"/>
+          <p:cNvPr id="17" name="Rectangle 16">
+            <a:extLst>
+              <a:ext uri="{FF2B5EF4-FFF2-40B4-BE49-F238E27FC236}">
+                <a16:creationId xmlns:a16="http://schemas.microsoft.com/office/drawing/2014/main" id="{CD5A1D5B-D2A3-6647-8368-77F7B5BF9561}"/>
               </a:ext>
             </a:extLst>
           </p:cNvPr>
@@ -34259,7 +34116,7 @@
         </p:nvSpPr>
         <p:spPr>
           <a:xfrm>
-            <a:off x="6430256" y="2635830"/>
+            <a:off x="1542078" y="2214950"/>
             <a:ext cx="1479696" cy="228588"/>
           </a:xfrm>
           <a:prstGeom prst="rect">
@@ -34294,17 +34151,17 @@
           <a:p>
             <a:r>
               <a:rPr lang="en-US" sz="1400" dirty="0"/>
-              <a:t>Jobs</a:t>
+              <a:t>Persons</a:t>
             </a:r>
           </a:p>
         </p:txBody>
       </p:sp>
       <p:sp>
         <p:nvSpPr>
-          <p:cNvPr id="12" name="Rectangle 11">
-            <a:extLst>
-              <a:ext uri="{FF2B5EF4-FFF2-40B4-BE49-F238E27FC236}">
-                <a16:creationId xmlns:a16="http://schemas.microsoft.com/office/drawing/2014/main" id="{8714E802-3945-6A4C-8820-563A3C72F192}"/>
+          <p:cNvPr id="20" name="Rectangle 19">
+            <a:extLst>
+              <a:ext uri="{FF2B5EF4-FFF2-40B4-BE49-F238E27FC236}">
+                <a16:creationId xmlns:a16="http://schemas.microsoft.com/office/drawing/2014/main" id="{ACB8F31B-6F1C-0D4B-842E-7DFAC71E4D65}"/>
               </a:ext>
             </a:extLst>
           </p:cNvPr>
@@ -34313,8 +34170,8 @@
         </p:nvSpPr>
         <p:spPr>
           <a:xfrm>
-            <a:off x="6430256" y="4265016"/>
-            <a:ext cx="1479696" cy="1008733"/>
+            <a:off x="1542078" y="3630559"/>
+            <a:ext cx="1479697" cy="460158"/>
           </a:xfrm>
           <a:prstGeom prst="rect">
             <a:avLst/>
@@ -34350,27 +34207,27 @@
           <a:lstStyle/>
           <a:p>
             <a:r>
-              <a:rPr lang="en-US" sz="1200" dirty="0" err="1">
+              <a:rPr lang="en-US" sz="1200" dirty="0">
                 <a:solidFill>
                   <a:schemeClr val="accent1"/>
                 </a:solidFill>
               </a:rPr>
-              <a:t>employee_id</a:t>
-            </a:r>
-            <a:br>
+              <a:t>id</a:t>
+            </a:r>
+            <a:endParaRPr lang="en-US" sz="1200" dirty="0">
+              <a:solidFill>
+                <a:schemeClr val="tx1"/>
+              </a:solidFill>
+            </a:endParaRPr>
+          </a:p>
+          <a:p>
+            <a:r>
               <a:rPr lang="en-US" sz="1200" dirty="0">
                 <a:solidFill>
-                  <a:schemeClr val="accent1"/>
+                  <a:schemeClr val="tx1"/>
                 </a:solidFill>
               </a:rPr>
-            </a:br>
-            <a:r>
-              <a:rPr lang="en-US" sz="1200" dirty="0" err="1">
-                <a:solidFill>
-                  <a:schemeClr val="accent1"/>
-                </a:solidFill>
-              </a:rPr>
-              <a:t>start_date</a:t>
+              <a:t>name</a:t>
             </a:r>
             <a:endParaRPr lang="en-US" sz="1200" dirty="0">
               <a:solidFill>
@@ -34378,59 +34235,14 @@
               </a:solidFill>
             </a:endParaRPr>
           </a:p>
-          <a:p>
-            <a:r>
-              <a:rPr lang="en-US" sz="1200" dirty="0" err="1">
-                <a:solidFill>
-                  <a:schemeClr val="tx1"/>
-                </a:solidFill>
-              </a:rPr>
-              <a:t>end_date</a:t>
-            </a:r>
-            <a:endParaRPr lang="en-US" sz="1200" dirty="0">
-              <a:solidFill>
-                <a:schemeClr val="tx1"/>
-              </a:solidFill>
-            </a:endParaRPr>
-          </a:p>
-          <a:p>
-            <a:r>
-              <a:rPr lang="en-US" sz="1200" dirty="0" err="1">
-                <a:solidFill>
-                  <a:schemeClr val="tx1"/>
-                </a:solidFill>
-              </a:rPr>
-              <a:t>job_id</a:t>
-            </a:r>
-            <a:endParaRPr lang="en-US" sz="1200" dirty="0">
-              <a:solidFill>
-                <a:schemeClr val="tx1"/>
-              </a:solidFill>
-            </a:endParaRPr>
-          </a:p>
-          <a:p>
-            <a:r>
-              <a:rPr lang="en-US" sz="1200" dirty="0" err="1">
-                <a:solidFill>
-                  <a:schemeClr val="tx1"/>
-                </a:solidFill>
-              </a:rPr>
-              <a:t>department_id</a:t>
-            </a:r>
-            <a:endParaRPr lang="en-US" sz="1200" dirty="0">
-              <a:solidFill>
-                <a:schemeClr val="tx1"/>
-              </a:solidFill>
-            </a:endParaRPr>
-          </a:p>
         </p:txBody>
       </p:sp>
       <p:sp>
         <p:nvSpPr>
-          <p:cNvPr id="13" name="Rectangle 12">
-            <a:extLst>
-              <a:ext uri="{FF2B5EF4-FFF2-40B4-BE49-F238E27FC236}">
-                <a16:creationId xmlns:a16="http://schemas.microsoft.com/office/drawing/2014/main" id="{7E3CAA05-FAAE-314C-94AE-474AB595CE4C}"/>
+          <p:cNvPr id="21" name="Rectangle 20">
+            <a:extLst>
+              <a:ext uri="{FF2B5EF4-FFF2-40B4-BE49-F238E27FC236}">
+                <a16:creationId xmlns:a16="http://schemas.microsoft.com/office/drawing/2014/main" id="{459791F0-3BB5-8C49-9C4F-28767A5D4873}"/>
               </a:ext>
             </a:extLst>
           </p:cNvPr>
@@ -34439,8 +34251,8 @@
         </p:nvSpPr>
         <p:spPr>
           <a:xfrm>
-            <a:off x="6430256" y="4014647"/>
-            <a:ext cx="1479696" cy="250368"/>
+            <a:off x="1542079" y="3380190"/>
+            <a:ext cx="1479696" cy="250369"/>
           </a:xfrm>
           <a:prstGeom prst="rect">
             <a:avLst/>
@@ -34473,19 +34285,323 @@
           <a:lstStyle/>
           <a:p>
             <a:r>
-              <a:rPr lang="en-US" sz="1400" dirty="0" err="1"/>
-              <a:t>Job_History</a:t>
-            </a:r>
-            <a:endParaRPr lang="en-US" sz="1400" dirty="0"/>
+              <a:rPr lang="en-US" sz="1400" dirty="0"/>
+              <a:t>Companies</a:t>
+            </a:r>
           </a:p>
         </p:txBody>
       </p:sp>
+      <p:cxnSp>
+        <p:nvCxnSpPr>
+          <p:cNvPr id="42" name="Straight Arrow Connector 41">
+            <a:extLst>
+              <a:ext uri="{FF2B5EF4-FFF2-40B4-BE49-F238E27FC236}">
+                <a16:creationId xmlns:a16="http://schemas.microsoft.com/office/drawing/2014/main" id="{CCBCBC02-7541-7748-9621-8ABA839C7932}"/>
+              </a:ext>
+            </a:extLst>
+          </p:cNvPr>
+          <p:cNvCxnSpPr/>
+          <p:nvPr/>
+        </p:nvCxnSpPr>
+        <p:spPr>
+          <a:xfrm>
+            <a:off x="1376347" y="3762296"/>
+            <a:ext cx="255182" cy="0"/>
+          </a:xfrm>
+          <a:prstGeom prst="straightConnector1">
+            <a:avLst/>
+          </a:prstGeom>
+          <a:ln w="12700">
+            <a:solidFill>
+              <a:schemeClr val="accent1"/>
+            </a:solidFill>
+            <a:tailEnd type="triangle"/>
+          </a:ln>
+        </p:spPr>
+        <p:style>
+          <a:lnRef idx="1">
+            <a:schemeClr val="accent1"/>
+          </a:lnRef>
+          <a:fillRef idx="0">
+            <a:schemeClr val="accent1"/>
+          </a:fillRef>
+          <a:effectRef idx="0">
+            <a:schemeClr val="accent1"/>
+          </a:effectRef>
+          <a:fontRef idx="minor">
+            <a:schemeClr val="tx1"/>
+          </a:fontRef>
+        </p:style>
+      </p:cxnSp>
+      <p:cxnSp>
+        <p:nvCxnSpPr>
+          <p:cNvPr id="47" name="Straight Arrow Connector 46">
+            <a:extLst>
+              <a:ext uri="{FF2B5EF4-FFF2-40B4-BE49-F238E27FC236}">
+                <a16:creationId xmlns:a16="http://schemas.microsoft.com/office/drawing/2014/main" id="{B7145472-0045-B04A-88B1-8E0719A00AAE}"/>
+              </a:ext>
+            </a:extLst>
+          </p:cNvPr>
+          <p:cNvCxnSpPr>
+            <a:cxnSpLocks/>
+          </p:cNvCxnSpPr>
+          <p:nvPr/>
+        </p:nvCxnSpPr>
+        <p:spPr>
+          <a:xfrm flipV="1">
+            <a:off x="1372085" y="2945053"/>
+            <a:ext cx="0" cy="816927"/>
+          </a:xfrm>
+          <a:prstGeom prst="straightConnector1">
+            <a:avLst/>
+          </a:prstGeom>
+          <a:ln w="12700">
+            <a:solidFill>
+              <a:schemeClr val="accent1"/>
+            </a:solidFill>
+            <a:headEnd type="none"/>
+            <a:tailEnd type="none"/>
+          </a:ln>
+        </p:spPr>
+        <p:style>
+          <a:lnRef idx="1">
+            <a:schemeClr val="accent1"/>
+          </a:lnRef>
+          <a:fillRef idx="0">
+            <a:schemeClr val="accent1"/>
+          </a:fillRef>
+          <a:effectRef idx="0">
+            <a:schemeClr val="accent1"/>
+          </a:effectRef>
+          <a:fontRef idx="minor">
+            <a:schemeClr val="tx1"/>
+          </a:fontRef>
+        </p:style>
+      </p:cxnSp>
+      <p:cxnSp>
+        <p:nvCxnSpPr>
+          <p:cNvPr id="62" name="Straight Arrow Connector 61">
+            <a:extLst>
+              <a:ext uri="{FF2B5EF4-FFF2-40B4-BE49-F238E27FC236}">
+                <a16:creationId xmlns:a16="http://schemas.microsoft.com/office/drawing/2014/main" id="{1A725803-0A70-FF41-B3DF-23B2394D96FB}"/>
+              </a:ext>
+            </a:extLst>
+          </p:cNvPr>
+          <p:cNvCxnSpPr>
+            <a:cxnSpLocks/>
+          </p:cNvCxnSpPr>
+          <p:nvPr/>
+        </p:nvCxnSpPr>
+        <p:spPr>
+          <a:xfrm flipH="1">
+            <a:off x="1847088" y="3761979"/>
+            <a:ext cx="1403008" cy="0"/>
+          </a:xfrm>
+          <a:prstGeom prst="straightConnector1">
+            <a:avLst/>
+          </a:prstGeom>
+          <a:ln w="12700">
+            <a:solidFill>
+              <a:schemeClr val="accent1"/>
+            </a:solidFill>
+            <a:tailEnd type="triangle"/>
+          </a:ln>
+        </p:spPr>
+        <p:style>
+          <a:lnRef idx="1">
+            <a:schemeClr val="accent1"/>
+          </a:lnRef>
+          <a:fillRef idx="0">
+            <a:schemeClr val="accent1"/>
+          </a:fillRef>
+          <a:effectRef idx="0">
+            <a:schemeClr val="accent1"/>
+          </a:effectRef>
+          <a:fontRef idx="minor">
+            <a:schemeClr val="tx1"/>
+          </a:fontRef>
+        </p:style>
+      </p:cxnSp>
+      <p:cxnSp>
+        <p:nvCxnSpPr>
+          <p:cNvPr id="66" name="Straight Arrow Connector 65">
+            <a:extLst>
+              <a:ext uri="{FF2B5EF4-FFF2-40B4-BE49-F238E27FC236}">
+                <a16:creationId xmlns:a16="http://schemas.microsoft.com/office/drawing/2014/main" id="{F81771CF-46BA-B24A-8554-C3F99FE1CF0F}"/>
+              </a:ext>
+            </a:extLst>
+          </p:cNvPr>
+          <p:cNvCxnSpPr>
+            <a:cxnSpLocks/>
+          </p:cNvCxnSpPr>
+          <p:nvPr/>
+        </p:nvCxnSpPr>
+        <p:spPr>
+          <a:xfrm>
+            <a:off x="5756320" y="2523668"/>
+            <a:ext cx="506993" cy="0"/>
+          </a:xfrm>
+          <a:prstGeom prst="straightConnector1">
+            <a:avLst/>
+          </a:prstGeom>
+          <a:ln w="12700">
+            <a:solidFill>
+              <a:schemeClr val="accent1"/>
+            </a:solidFill>
+            <a:headEnd type="none"/>
+            <a:tailEnd type="none"/>
+          </a:ln>
+        </p:spPr>
+        <p:style>
+          <a:lnRef idx="1">
+            <a:schemeClr val="accent1"/>
+          </a:lnRef>
+          <a:fillRef idx="0">
+            <a:schemeClr val="accent1"/>
+          </a:fillRef>
+          <a:effectRef idx="0">
+            <a:schemeClr val="accent1"/>
+          </a:effectRef>
+          <a:fontRef idx="minor">
+            <a:schemeClr val="tx1"/>
+          </a:fontRef>
+        </p:style>
+      </p:cxnSp>
       <p:sp>
         <p:nvSpPr>
-          <p:cNvPr id="14" name="Rectangle 13">
-            <a:extLst>
-              <a:ext uri="{FF2B5EF4-FFF2-40B4-BE49-F238E27FC236}">
-                <a16:creationId xmlns:a16="http://schemas.microsoft.com/office/drawing/2014/main" id="{1D646510-AEED-C14F-824B-F957DFA59E15}"/>
+          <p:cNvPr id="69" name="TextBox 68">
+            <a:extLst>
+              <a:ext uri="{FF2B5EF4-FFF2-40B4-BE49-F238E27FC236}">
+                <a16:creationId xmlns:a16="http://schemas.microsoft.com/office/drawing/2014/main" id="{9BEF8691-C567-DF4C-A348-C92E6EAF9CF8}"/>
+              </a:ext>
+            </a:extLst>
+          </p:cNvPr>
+          <p:cNvSpPr txBox="1"/>
+          <p:nvPr/>
+        </p:nvSpPr>
+        <p:spPr>
+          <a:xfrm>
+            <a:off x="1372086" y="1763048"/>
+            <a:ext cx="5599294" cy="369332"/>
+          </a:xfrm>
+          <a:prstGeom prst="rect">
+            <a:avLst/>
+          </a:prstGeom>
+          <a:noFill/>
+        </p:spPr>
+        <p:txBody>
+          <a:bodyPr wrap="square" rtlCol="0">
+            <a:spAutoFit/>
+          </a:bodyPr>
+          <a:lstStyle/>
+          <a:p>
+            <a:pPr algn="ctr"/>
+            <a:r>
+              <a:rPr lang="en-US" dirty="0">
+                <a:solidFill>
+                  <a:schemeClr val="bg2"/>
+                </a:solidFill>
+              </a:rPr>
+              <a:t>Schema for "financial_transansaction"</a:t>
+            </a:r>
+          </a:p>
+        </p:txBody>
+      </p:sp>
+      <p:cxnSp>
+        <p:nvCxnSpPr>
+          <p:cNvPr id="70" name="Straight Arrow Connector 69">
+            <a:extLst>
+              <a:ext uri="{FF2B5EF4-FFF2-40B4-BE49-F238E27FC236}">
+                <a16:creationId xmlns:a16="http://schemas.microsoft.com/office/drawing/2014/main" id="{59D1AD15-F411-8043-B24D-7E2F75B6AC5E}"/>
+              </a:ext>
+            </a:extLst>
+          </p:cNvPr>
+          <p:cNvCxnSpPr>
+            <a:cxnSpLocks/>
+          </p:cNvCxnSpPr>
+          <p:nvPr/>
+        </p:nvCxnSpPr>
+        <p:spPr>
+          <a:xfrm>
+            <a:off x="6000984" y="2855195"/>
+            <a:ext cx="289007" cy="0"/>
+          </a:xfrm>
+          <a:prstGeom prst="straightConnector1">
+            <a:avLst/>
+          </a:prstGeom>
+          <a:ln w="12700">
+            <a:solidFill>
+              <a:schemeClr val="accent1"/>
+            </a:solidFill>
+            <a:tailEnd type="triangle"/>
+          </a:ln>
+        </p:spPr>
+        <p:style>
+          <a:lnRef idx="1">
+            <a:schemeClr val="accent1"/>
+          </a:lnRef>
+          <a:fillRef idx="0">
+            <a:schemeClr val="accent1"/>
+          </a:fillRef>
+          <a:effectRef idx="0">
+            <a:schemeClr val="accent1"/>
+          </a:effectRef>
+          <a:fontRef idx="minor">
+            <a:schemeClr val="tx1"/>
+          </a:fontRef>
+        </p:style>
+      </p:cxnSp>
+      <p:cxnSp>
+        <p:nvCxnSpPr>
+          <p:cNvPr id="50" name="Straight Arrow Connector 49">
+            <a:extLst>
+              <a:ext uri="{FF2B5EF4-FFF2-40B4-BE49-F238E27FC236}">
+                <a16:creationId xmlns:a16="http://schemas.microsoft.com/office/drawing/2014/main" id="{9282BD62-D931-8B48-8B2A-1E59F830775A}"/>
+              </a:ext>
+            </a:extLst>
+          </p:cNvPr>
+          <p:cNvCxnSpPr>
+            <a:cxnSpLocks/>
+          </p:cNvCxnSpPr>
+          <p:nvPr/>
+        </p:nvCxnSpPr>
+        <p:spPr>
+          <a:xfrm>
+            <a:off x="1363224" y="2938109"/>
+            <a:ext cx="218610" cy="0"/>
+          </a:xfrm>
+          <a:prstGeom prst="straightConnector1">
+            <a:avLst/>
+          </a:prstGeom>
+          <a:ln w="12700">
+            <a:solidFill>
+              <a:schemeClr val="accent1"/>
+            </a:solidFill>
+            <a:headEnd type="none"/>
+            <a:tailEnd type="none"/>
+          </a:ln>
+        </p:spPr>
+        <p:style>
+          <a:lnRef idx="1">
+            <a:schemeClr val="accent1"/>
+          </a:lnRef>
+          <a:fillRef idx="0">
+            <a:schemeClr val="accent1"/>
+          </a:fillRef>
+          <a:effectRef idx="0">
+            <a:schemeClr val="accent1"/>
+          </a:effectRef>
+          <a:fontRef idx="minor">
+            <a:schemeClr val="tx1"/>
+          </a:fontRef>
+        </p:style>
+      </p:cxnSp>
+      <p:sp>
+        <p:nvSpPr>
+          <p:cNvPr id="54" name="Rectangle 53">
+            <a:extLst>
+              <a:ext uri="{FF2B5EF4-FFF2-40B4-BE49-F238E27FC236}">
+                <a16:creationId xmlns:a16="http://schemas.microsoft.com/office/drawing/2014/main" id="{3161B468-FCF2-F042-9F00-3E98619665AE}"/>
               </a:ext>
             </a:extLst>
           </p:cNvPr>
@@ -34494,8 +34610,8 @@
         </p:nvSpPr>
         <p:spPr>
           <a:xfrm>
-            <a:off x="6430255" y="1507300"/>
-            <a:ext cx="1479697" cy="856461"/>
+            <a:off x="5491683" y="2740129"/>
+            <a:ext cx="1479697" cy="989642"/>
           </a:xfrm>
           <a:prstGeom prst="rect">
             <a:avLst/>
@@ -34531,72 +34647,72 @@
           <a:lstStyle/>
           <a:p>
             <a:r>
-              <a:rPr lang="en-US" sz="1200" dirty="0" err="1">
+              <a:rPr lang="en-US" sz="1200" dirty="0">
                 <a:solidFill>
                   <a:schemeClr val="accent1"/>
                 </a:solidFill>
               </a:rPr>
-              <a:t>department_id</a:t>
-            </a:r>
-            <a:endParaRPr lang="en-US" sz="1200" dirty="0">
-              <a:solidFill>
-                <a:schemeClr val="accent1"/>
-              </a:solidFill>
-            </a:endParaRPr>
-          </a:p>
-          <a:p>
-            <a:r>
-              <a:rPr lang="en-US" sz="1200" dirty="0" err="1">
+              <a:t>id</a:t>
+            </a:r>
+          </a:p>
+          <a:p>
+            <a:r>
+              <a:rPr lang="en-US" sz="1200" dirty="0">
+                <a:solidFill>
+                  <a:srgbClr val="002060"/>
+                </a:solidFill>
+              </a:rPr>
+              <a:t>from_account</a:t>
+            </a:r>
+            <a:br>
+              <a:rPr lang="en-US" sz="1200" dirty="0">
+                <a:solidFill>
+                  <a:srgbClr val="002060"/>
+                </a:solidFill>
+              </a:rPr>
+            </a:br>
+            <a:r>
+              <a:rPr lang="en-US" sz="1200" dirty="0">
+                <a:solidFill>
+                  <a:srgbClr val="002060"/>
+                </a:solidFill>
+              </a:rPr>
+              <a:t>to_account</a:t>
+            </a:r>
+            <a:br>
+              <a:rPr lang="en-US" sz="1200" dirty="0">
                 <a:solidFill>
                   <a:schemeClr val="tx1"/>
                 </a:solidFill>
               </a:rPr>
-              <a:t>department_name</a:t>
-            </a:r>
-            <a:endParaRPr lang="en-US" sz="1200" dirty="0">
-              <a:solidFill>
-                <a:schemeClr val="tx1"/>
-              </a:solidFill>
-            </a:endParaRPr>
-          </a:p>
-          <a:p>
-            <a:r>
-              <a:rPr lang="en-US" sz="1200" dirty="0" err="1">
+            </a:br>
+            <a:r>
+              <a:rPr lang="en-US" sz="1200" dirty="0">
                 <a:solidFill>
                   <a:schemeClr val="tx1"/>
                 </a:solidFill>
               </a:rPr>
-              <a:t>manager_id</a:t>
-            </a:r>
-            <a:endParaRPr lang="en-US" sz="1200" dirty="0">
-              <a:solidFill>
-                <a:schemeClr val="tx1"/>
-              </a:solidFill>
-            </a:endParaRPr>
-          </a:p>
-          <a:p>
-            <a:r>
-              <a:rPr lang="en-US" sz="1200" dirty="0" err="1">
+              <a:t>date</a:t>
+            </a:r>
+          </a:p>
+          <a:p>
+            <a:r>
+              <a:rPr lang="en-US" sz="1200" dirty="0">
                 <a:solidFill>
                   <a:schemeClr val="tx1"/>
                 </a:solidFill>
               </a:rPr>
-              <a:t>location_id</a:t>
-            </a:r>
-            <a:endParaRPr lang="en-US" sz="1200" dirty="0">
-              <a:solidFill>
-                <a:schemeClr val="tx1"/>
-              </a:solidFill>
-            </a:endParaRPr>
+              <a:t>amount</a:t>
+            </a:r>
           </a:p>
         </p:txBody>
       </p:sp>
       <p:sp>
         <p:nvSpPr>
-          <p:cNvPr id="15" name="Rectangle 14">
-            <a:extLst>
-              <a:ext uri="{FF2B5EF4-FFF2-40B4-BE49-F238E27FC236}">
-                <a16:creationId xmlns:a16="http://schemas.microsoft.com/office/drawing/2014/main" id="{7FEA751D-5101-BE44-B7B9-9E0AA379AAC1}"/>
+          <p:cNvPr id="55" name="Rectangle 54">
+            <a:extLst>
+              <a:ext uri="{FF2B5EF4-FFF2-40B4-BE49-F238E27FC236}">
+                <a16:creationId xmlns:a16="http://schemas.microsoft.com/office/drawing/2014/main" id="{A06A9845-8246-6048-9679-94C9AB7FD4C7}"/>
               </a:ext>
             </a:extLst>
           </p:cNvPr>
@@ -34605,7 +34721,7 @@
         </p:nvSpPr>
         <p:spPr>
           <a:xfrm>
-            <a:off x="6430256" y="1256931"/>
+            <a:off x="5491684" y="2489760"/>
             <a:ext cx="1479696" cy="250369"/>
           </a:xfrm>
           <a:prstGeom prst="rect">
@@ -34640,17 +34756,648 @@
           <a:p>
             <a:r>
               <a:rPr lang="en-US" sz="1400" dirty="0"/>
-              <a:t>Departments</a:t>
+              <a:t>Transactions</a:t>
+            </a:r>
+          </a:p>
+        </p:txBody>
+      </p:sp>
+      <p:cxnSp>
+        <p:nvCxnSpPr>
+          <p:cNvPr id="57" name="Straight Arrow Connector 56">
+            <a:extLst>
+              <a:ext uri="{FF2B5EF4-FFF2-40B4-BE49-F238E27FC236}">
+                <a16:creationId xmlns:a16="http://schemas.microsoft.com/office/drawing/2014/main" id="{EB22BD5B-5EC9-7343-A5CB-02892016C9B3}"/>
+              </a:ext>
+            </a:extLst>
+          </p:cNvPr>
+          <p:cNvCxnSpPr>
+            <a:cxnSpLocks/>
+          </p:cNvCxnSpPr>
+          <p:nvPr/>
+        </p:nvCxnSpPr>
+        <p:spPr>
+          <a:xfrm flipV="1">
+            <a:off x="3252183" y="3515913"/>
+            <a:ext cx="0" cy="246066"/>
+          </a:xfrm>
+          <a:prstGeom prst="straightConnector1">
+            <a:avLst/>
+          </a:prstGeom>
+          <a:ln w="12700">
+            <a:solidFill>
+              <a:schemeClr val="accent1"/>
+            </a:solidFill>
+            <a:headEnd type="none"/>
+            <a:tailEnd type="none"/>
+          </a:ln>
+        </p:spPr>
+        <p:style>
+          <a:lnRef idx="1">
+            <a:schemeClr val="accent1"/>
+          </a:lnRef>
+          <a:fillRef idx="0">
+            <a:schemeClr val="accent1"/>
+          </a:fillRef>
+          <a:effectRef idx="0">
+            <a:schemeClr val="accent1"/>
+          </a:effectRef>
+          <a:fontRef idx="minor">
+            <a:schemeClr val="tx1"/>
+          </a:fontRef>
+        </p:style>
+      </p:cxnSp>
+      <p:cxnSp>
+        <p:nvCxnSpPr>
+          <p:cNvPr id="59" name="Straight Arrow Connector 58">
+            <a:extLst>
+              <a:ext uri="{FF2B5EF4-FFF2-40B4-BE49-F238E27FC236}">
+                <a16:creationId xmlns:a16="http://schemas.microsoft.com/office/drawing/2014/main" id="{7A2E2FF5-78DA-F94A-A6FD-BFEC823D65F1}"/>
+              </a:ext>
+            </a:extLst>
+          </p:cNvPr>
+          <p:cNvCxnSpPr>
+            <a:cxnSpLocks/>
+          </p:cNvCxnSpPr>
+          <p:nvPr/>
+        </p:nvCxnSpPr>
+        <p:spPr>
+          <a:xfrm>
+            <a:off x="3250096" y="3515912"/>
+            <a:ext cx="321306" cy="0"/>
+          </a:xfrm>
+          <a:prstGeom prst="straightConnector1">
+            <a:avLst/>
+          </a:prstGeom>
+          <a:ln w="12700">
+            <a:solidFill>
+              <a:schemeClr val="accent1"/>
+            </a:solidFill>
+            <a:headEnd type="none"/>
+            <a:tailEnd type="none"/>
+          </a:ln>
+        </p:spPr>
+        <p:style>
+          <a:lnRef idx="1">
+            <a:schemeClr val="accent1"/>
+          </a:lnRef>
+          <a:fillRef idx="0">
+            <a:schemeClr val="accent1"/>
+          </a:fillRef>
+          <a:effectRef idx="0">
+            <a:schemeClr val="accent1"/>
+          </a:effectRef>
+          <a:fontRef idx="minor">
+            <a:schemeClr val="tx1"/>
+          </a:fontRef>
+        </p:style>
+      </p:cxnSp>
+      <p:cxnSp>
+        <p:nvCxnSpPr>
+          <p:cNvPr id="63" name="Straight Arrow Connector 62">
+            <a:extLst>
+              <a:ext uri="{FF2B5EF4-FFF2-40B4-BE49-F238E27FC236}">
+                <a16:creationId xmlns:a16="http://schemas.microsoft.com/office/drawing/2014/main" id="{7B882277-369B-C24D-AE45-B728E70640BC}"/>
+              </a:ext>
+            </a:extLst>
+          </p:cNvPr>
+          <p:cNvCxnSpPr>
+            <a:cxnSpLocks/>
+          </p:cNvCxnSpPr>
+          <p:nvPr/>
+        </p:nvCxnSpPr>
+        <p:spPr>
+          <a:xfrm>
+            <a:off x="3250096" y="3361085"/>
+            <a:ext cx="321306" cy="0"/>
+          </a:xfrm>
+          <a:prstGeom prst="straightConnector1">
+            <a:avLst/>
+          </a:prstGeom>
+          <a:ln w="12700">
+            <a:solidFill>
+              <a:schemeClr val="accent1"/>
+            </a:solidFill>
+            <a:headEnd type="none"/>
+            <a:tailEnd type="none"/>
+          </a:ln>
+        </p:spPr>
+        <p:style>
+          <a:lnRef idx="1">
+            <a:schemeClr val="accent1"/>
+          </a:lnRef>
+          <a:fillRef idx="0">
+            <a:schemeClr val="accent1"/>
+          </a:fillRef>
+          <a:effectRef idx="0">
+            <a:schemeClr val="accent1"/>
+          </a:effectRef>
+          <a:fontRef idx="minor">
+            <a:schemeClr val="tx1"/>
+          </a:fontRef>
+        </p:style>
+      </p:cxnSp>
+      <p:cxnSp>
+        <p:nvCxnSpPr>
+          <p:cNvPr id="64" name="Straight Arrow Connector 63">
+            <a:extLst>
+              <a:ext uri="{FF2B5EF4-FFF2-40B4-BE49-F238E27FC236}">
+                <a16:creationId xmlns:a16="http://schemas.microsoft.com/office/drawing/2014/main" id="{BBEE89D1-5967-4346-844F-5D1849ADC653}"/>
+              </a:ext>
+            </a:extLst>
+          </p:cNvPr>
+          <p:cNvCxnSpPr>
+            <a:cxnSpLocks/>
+          </p:cNvCxnSpPr>
+          <p:nvPr/>
+        </p:nvCxnSpPr>
+        <p:spPr>
+          <a:xfrm flipV="1">
+            <a:off x="3250096" y="2568722"/>
+            <a:ext cx="0" cy="792363"/>
+          </a:xfrm>
+          <a:prstGeom prst="straightConnector1">
+            <a:avLst/>
+          </a:prstGeom>
+          <a:ln w="12700">
+            <a:solidFill>
+              <a:schemeClr val="accent1"/>
+            </a:solidFill>
+            <a:headEnd type="none"/>
+            <a:tailEnd type="none"/>
+          </a:ln>
+        </p:spPr>
+        <p:style>
+          <a:lnRef idx="1">
+            <a:schemeClr val="accent1"/>
+          </a:lnRef>
+          <a:fillRef idx="0">
+            <a:schemeClr val="accent1"/>
+          </a:fillRef>
+          <a:effectRef idx="0">
+            <a:schemeClr val="accent1"/>
+          </a:effectRef>
+          <a:fontRef idx="minor">
+            <a:schemeClr val="tx1"/>
+          </a:fontRef>
+        </p:style>
+      </p:cxnSp>
+      <p:cxnSp>
+        <p:nvCxnSpPr>
+          <p:cNvPr id="65" name="Straight Arrow Connector 64">
+            <a:extLst>
+              <a:ext uri="{FF2B5EF4-FFF2-40B4-BE49-F238E27FC236}">
+                <a16:creationId xmlns:a16="http://schemas.microsoft.com/office/drawing/2014/main" id="{469485FD-8B36-C341-8801-2B5726E56841}"/>
+              </a:ext>
+            </a:extLst>
+          </p:cNvPr>
+          <p:cNvCxnSpPr>
+            <a:cxnSpLocks/>
+          </p:cNvCxnSpPr>
+          <p:nvPr/>
+        </p:nvCxnSpPr>
+        <p:spPr>
+          <a:xfrm flipH="1">
+            <a:off x="1847088" y="2568722"/>
+            <a:ext cx="1403008" cy="0"/>
+          </a:xfrm>
+          <a:prstGeom prst="straightConnector1">
+            <a:avLst/>
+          </a:prstGeom>
+          <a:ln w="12700">
+            <a:solidFill>
+              <a:schemeClr val="accent1"/>
+            </a:solidFill>
+            <a:tailEnd type="triangle"/>
+          </a:ln>
+        </p:spPr>
+        <p:style>
+          <a:lnRef idx="1">
+            <a:schemeClr val="accent1"/>
+          </a:lnRef>
+          <a:fillRef idx="0">
+            <a:schemeClr val="accent1"/>
+          </a:fillRef>
+          <a:effectRef idx="0">
+            <a:schemeClr val="accent1"/>
+          </a:effectRef>
+          <a:fontRef idx="minor">
+            <a:schemeClr val="tx1"/>
+          </a:fontRef>
+        </p:style>
+      </p:cxnSp>
+      <p:cxnSp>
+        <p:nvCxnSpPr>
+          <p:cNvPr id="74" name="Straight Arrow Connector 73">
+            <a:extLst>
+              <a:ext uri="{FF2B5EF4-FFF2-40B4-BE49-F238E27FC236}">
+                <a16:creationId xmlns:a16="http://schemas.microsoft.com/office/drawing/2014/main" id="{F0202771-A18D-7F4C-A2A2-66ADD1BF0E9D}"/>
+              </a:ext>
+            </a:extLst>
+          </p:cNvPr>
+          <p:cNvCxnSpPr>
+            <a:cxnSpLocks/>
+          </p:cNvCxnSpPr>
+          <p:nvPr/>
+        </p:nvCxnSpPr>
+        <p:spPr>
+          <a:xfrm>
+            <a:off x="5203767" y="3257465"/>
+            <a:ext cx="331746" cy="0"/>
+          </a:xfrm>
+          <a:prstGeom prst="straightConnector1">
+            <a:avLst/>
+          </a:prstGeom>
+          <a:ln w="12700">
+            <a:solidFill>
+              <a:schemeClr val="accent1"/>
+            </a:solidFill>
+            <a:headEnd type="none"/>
+            <a:tailEnd type="none"/>
+          </a:ln>
+        </p:spPr>
+        <p:style>
+          <a:lnRef idx="1">
+            <a:schemeClr val="accent1"/>
+          </a:lnRef>
+          <a:fillRef idx="0">
+            <a:schemeClr val="accent1"/>
+          </a:fillRef>
+          <a:effectRef idx="0">
+            <a:schemeClr val="accent1"/>
+          </a:effectRef>
+          <a:fontRef idx="minor">
+            <a:schemeClr val="tx1"/>
+          </a:fontRef>
+        </p:style>
+      </p:cxnSp>
+      <p:cxnSp>
+        <p:nvCxnSpPr>
+          <p:cNvPr id="75" name="Straight Arrow Connector 74">
+            <a:extLst>
+              <a:ext uri="{FF2B5EF4-FFF2-40B4-BE49-F238E27FC236}">
+                <a16:creationId xmlns:a16="http://schemas.microsoft.com/office/drawing/2014/main" id="{B985C259-8F7D-D645-9CB8-5FA9B6F720E5}"/>
+              </a:ext>
+            </a:extLst>
+          </p:cNvPr>
+          <p:cNvCxnSpPr>
+            <a:cxnSpLocks/>
+          </p:cNvCxnSpPr>
+          <p:nvPr/>
+        </p:nvCxnSpPr>
+        <p:spPr>
+          <a:xfrm flipH="1">
+            <a:off x="4193247" y="2945053"/>
+            <a:ext cx="1124188" cy="0"/>
+          </a:xfrm>
+          <a:prstGeom prst="straightConnector1">
+            <a:avLst/>
+          </a:prstGeom>
+          <a:ln w="12700">
+            <a:solidFill>
+              <a:schemeClr val="accent1"/>
+            </a:solidFill>
+            <a:tailEnd type="triangle"/>
+          </a:ln>
+        </p:spPr>
+        <p:style>
+          <a:lnRef idx="1">
+            <a:schemeClr val="accent1"/>
+          </a:lnRef>
+          <a:fillRef idx="0">
+            <a:schemeClr val="accent1"/>
+          </a:fillRef>
+          <a:effectRef idx="0">
+            <a:schemeClr val="accent1"/>
+          </a:effectRef>
+          <a:fontRef idx="minor">
+            <a:schemeClr val="tx1"/>
+          </a:fontRef>
+        </p:style>
+      </p:cxnSp>
+      <p:cxnSp>
+        <p:nvCxnSpPr>
+          <p:cNvPr id="77" name="Straight Arrow Connector 76">
+            <a:extLst>
+              <a:ext uri="{FF2B5EF4-FFF2-40B4-BE49-F238E27FC236}">
+                <a16:creationId xmlns:a16="http://schemas.microsoft.com/office/drawing/2014/main" id="{F870DA08-8678-F64C-A7AD-A93F7903BF3A}"/>
+              </a:ext>
+            </a:extLst>
+          </p:cNvPr>
+          <p:cNvCxnSpPr>
+            <a:cxnSpLocks/>
+          </p:cNvCxnSpPr>
+          <p:nvPr/>
+        </p:nvCxnSpPr>
+        <p:spPr>
+          <a:xfrm flipV="1">
+            <a:off x="5317435" y="2955694"/>
+            <a:ext cx="0" cy="96362"/>
+          </a:xfrm>
+          <a:prstGeom prst="straightConnector1">
+            <a:avLst/>
+          </a:prstGeom>
+          <a:ln w="12700">
+            <a:solidFill>
+              <a:schemeClr val="accent1"/>
+            </a:solidFill>
+            <a:headEnd type="none"/>
+            <a:tailEnd type="none"/>
+          </a:ln>
+        </p:spPr>
+        <p:style>
+          <a:lnRef idx="1">
+            <a:schemeClr val="accent1"/>
+          </a:lnRef>
+          <a:fillRef idx="0">
+            <a:schemeClr val="accent1"/>
+          </a:fillRef>
+          <a:effectRef idx="0">
+            <a:schemeClr val="accent1"/>
+          </a:effectRef>
+          <a:fontRef idx="minor">
+            <a:schemeClr val="tx1"/>
+          </a:fontRef>
+        </p:style>
+      </p:cxnSp>
+      <p:cxnSp>
+        <p:nvCxnSpPr>
+          <p:cNvPr id="79" name="Straight Arrow Connector 78">
+            <a:extLst>
+              <a:ext uri="{FF2B5EF4-FFF2-40B4-BE49-F238E27FC236}">
+                <a16:creationId xmlns:a16="http://schemas.microsoft.com/office/drawing/2014/main" id="{F915366E-8A3C-D44E-87E9-44CDAA896591}"/>
+              </a:ext>
+            </a:extLst>
+          </p:cNvPr>
+          <p:cNvCxnSpPr>
+            <a:cxnSpLocks/>
+          </p:cNvCxnSpPr>
+          <p:nvPr/>
+        </p:nvCxnSpPr>
+        <p:spPr>
+          <a:xfrm>
+            <a:off x="5312780" y="3052056"/>
+            <a:ext cx="218078" cy="0"/>
+          </a:xfrm>
+          <a:prstGeom prst="straightConnector1">
+            <a:avLst/>
+          </a:prstGeom>
+          <a:ln w="12700">
+            <a:solidFill>
+              <a:schemeClr val="accent1"/>
+            </a:solidFill>
+            <a:headEnd type="none"/>
+            <a:tailEnd type="none"/>
+          </a:ln>
+        </p:spPr>
+        <p:style>
+          <a:lnRef idx="1">
+            <a:schemeClr val="accent1"/>
+          </a:lnRef>
+          <a:fillRef idx="0">
+            <a:schemeClr val="accent1"/>
+          </a:fillRef>
+          <a:effectRef idx="0">
+            <a:schemeClr val="accent1"/>
+          </a:effectRef>
+          <a:fontRef idx="minor">
+            <a:schemeClr val="tx1"/>
+          </a:fontRef>
+        </p:style>
+      </p:cxnSp>
+      <p:cxnSp>
+        <p:nvCxnSpPr>
+          <p:cNvPr id="83" name="Straight Arrow Connector 82">
+            <a:extLst>
+              <a:ext uri="{FF2B5EF4-FFF2-40B4-BE49-F238E27FC236}">
+                <a16:creationId xmlns:a16="http://schemas.microsoft.com/office/drawing/2014/main" id="{6F604C78-B79E-5A48-BAF2-DFF1F28F7C6B}"/>
+              </a:ext>
+            </a:extLst>
+          </p:cNvPr>
+          <p:cNvCxnSpPr>
+            <a:cxnSpLocks/>
+          </p:cNvCxnSpPr>
+          <p:nvPr/>
+        </p:nvCxnSpPr>
+        <p:spPr>
+          <a:xfrm flipH="1">
+            <a:off x="4188592" y="3027803"/>
+            <a:ext cx="1015175" cy="0"/>
+          </a:xfrm>
+          <a:prstGeom prst="straightConnector1">
+            <a:avLst/>
+          </a:prstGeom>
+          <a:ln w="12700">
+            <a:solidFill>
+              <a:schemeClr val="accent1"/>
+            </a:solidFill>
+            <a:tailEnd type="triangle"/>
+          </a:ln>
+        </p:spPr>
+        <p:style>
+          <a:lnRef idx="1">
+            <a:schemeClr val="accent1"/>
+          </a:lnRef>
+          <a:fillRef idx="0">
+            <a:schemeClr val="accent1"/>
+          </a:fillRef>
+          <a:effectRef idx="0">
+            <a:schemeClr val="accent1"/>
+          </a:effectRef>
+          <a:fontRef idx="minor">
+            <a:schemeClr val="tx1"/>
+          </a:fontRef>
+        </p:style>
+      </p:cxnSp>
+      <p:cxnSp>
+        <p:nvCxnSpPr>
+          <p:cNvPr id="85" name="Straight Arrow Connector 84">
+            <a:extLst>
+              <a:ext uri="{FF2B5EF4-FFF2-40B4-BE49-F238E27FC236}">
+                <a16:creationId xmlns:a16="http://schemas.microsoft.com/office/drawing/2014/main" id="{6417685E-A3E0-F045-8624-D9BDC874C3CE}"/>
+              </a:ext>
+            </a:extLst>
+          </p:cNvPr>
+          <p:cNvCxnSpPr>
+            <a:cxnSpLocks/>
+          </p:cNvCxnSpPr>
+          <p:nvPr/>
+        </p:nvCxnSpPr>
+        <p:spPr>
+          <a:xfrm flipV="1">
+            <a:off x="5203767" y="3027803"/>
+            <a:ext cx="0" cy="229662"/>
+          </a:xfrm>
+          <a:prstGeom prst="straightConnector1">
+            <a:avLst/>
+          </a:prstGeom>
+          <a:ln w="12700">
+            <a:solidFill>
+              <a:schemeClr val="accent1"/>
+            </a:solidFill>
+            <a:headEnd type="none"/>
+            <a:tailEnd type="none"/>
+          </a:ln>
+        </p:spPr>
+        <p:style>
+          <a:lnRef idx="1">
+            <a:schemeClr val="accent1"/>
+          </a:lnRef>
+          <a:fillRef idx="0">
+            <a:schemeClr val="accent1"/>
+          </a:fillRef>
+          <a:effectRef idx="0">
+            <a:schemeClr val="accent1"/>
+          </a:effectRef>
+          <a:fontRef idx="minor">
+            <a:schemeClr val="tx1"/>
+          </a:fontRef>
+        </p:style>
+      </p:cxnSp>
+      <p:sp>
+        <p:nvSpPr>
+          <p:cNvPr id="4" name="TextBox 3">
+            <a:extLst>
+              <a:ext uri="{FF2B5EF4-FFF2-40B4-BE49-F238E27FC236}">
+                <a16:creationId xmlns:a16="http://schemas.microsoft.com/office/drawing/2014/main" id="{699E067C-D98C-3A41-891A-1586004A7708}"/>
+              </a:ext>
+            </a:extLst>
+          </p:cNvPr>
+          <p:cNvSpPr txBox="1"/>
+          <p:nvPr/>
+        </p:nvSpPr>
+        <p:spPr>
+          <a:xfrm>
+            <a:off x="1280160" y="859536"/>
+            <a:ext cx="4191147" cy="369332"/>
+          </a:xfrm>
+          <a:prstGeom prst="rect">
+            <a:avLst/>
+          </a:prstGeom>
+          <a:noFill/>
+        </p:spPr>
+        <p:txBody>
+          <a:bodyPr wrap="none" rtlCol="0">
+            <a:spAutoFit/>
+          </a:bodyPr>
+          <a:lstStyle/>
+          <a:p>
+            <a:r>
+              <a:rPr lang="en-US" dirty="0">
+                <a:solidFill>
+                  <a:srgbClr val="FFFF00"/>
+                </a:solidFill>
+              </a:rPr>
+              <a:t>zoom to 130% then make a screenshot</a:t>
+            </a:r>
+          </a:p>
+        </p:txBody>
+      </p:sp>
+    </p:spTree>
+    <p:extLst>
+      <p:ext uri="{BB962C8B-B14F-4D97-AF65-F5344CB8AC3E}">
+        <p14:creationId xmlns:p14="http://schemas.microsoft.com/office/powerpoint/2010/main" val="1150880827"/>
+      </p:ext>
+    </p:extLst>
+  </p:cSld>
+  <p:clrMapOvr>
+    <a:masterClrMapping/>
+  </p:clrMapOvr>
+  <mc:AlternateContent xmlns:mc="http://schemas.openxmlformats.org/markup-compatibility/2006" xmlns:p14="http://schemas.microsoft.com/office/powerpoint/2010/main">
+    <mc:Choice Requires="p14">
+      <p:transition spd="med" p14:dur="700">
+        <p:fade/>
+      </p:transition>
+    </mc:Choice>
+    <mc:Fallback xmlns="">
+      <p:transition spd="med">
+        <p:fade/>
+      </p:transition>
+    </mc:Fallback>
+  </mc:AlternateContent>
+</p:sld>
+</file>
+
+<file path=ppt/slides/slide2.xml><?xml version="1.0" encoding="utf-8"?>
+<p:sld xmlns:a="http://schemas.openxmlformats.org/drawingml/2006/main" xmlns:r="http://schemas.openxmlformats.org/officeDocument/2006/relationships" xmlns:p="http://schemas.openxmlformats.org/presentationml/2006/main">
+  <p:cSld>
+    <p:spTree>
+      <p:nvGrpSpPr>
+        <p:cNvPr id="1" name=""/>
+        <p:cNvGrpSpPr/>
+        <p:nvPr/>
+      </p:nvGrpSpPr>
+      <p:grpSpPr>
+        <a:xfrm>
+          <a:off x="0" y="0"/>
+          <a:ext cx="0" cy="0"/>
+          <a:chOff x="0" y="0"/>
+          <a:chExt cx="0" cy="0"/>
+        </a:xfrm>
+      </p:grpSpPr>
+      <p:sp>
+        <p:nvSpPr>
+          <p:cNvPr id="3" name="Footer Placeholder 2">
+            <a:extLst>
+              <a:ext uri="{FF2B5EF4-FFF2-40B4-BE49-F238E27FC236}">
+                <a16:creationId xmlns:a16="http://schemas.microsoft.com/office/drawing/2014/main" id="{3136AED9-3171-7347-A9A1-2319D06F471D}"/>
+              </a:ext>
+            </a:extLst>
+          </p:cNvPr>
+          <p:cNvSpPr>
+            <a:spLocks noGrp="1"/>
+          </p:cNvSpPr>
+          <p:nvPr>
+            <p:ph type="ftr" sz="quarter" idx="3"/>
+          </p:nvPr>
+        </p:nvSpPr>
+        <p:spPr/>
+        <p:txBody>
+          <a:bodyPr/>
+          <a:lstStyle/>
+          <a:p>
+            <a:r>
+              <a:rPr lang="en-US" dirty="0"/>
+              <a:t>Copyright © 2020, Oracle and/or its affiliates  |  Confidential: Internal/Restricted/Highly Restricted</a:t>
             </a:r>
           </a:p>
         </p:txBody>
       </p:sp>
       <p:sp>
         <p:nvSpPr>
-          <p:cNvPr id="16" name="Rectangle 15">
-            <a:extLst>
-              <a:ext uri="{FF2B5EF4-FFF2-40B4-BE49-F238E27FC236}">
-                <a16:creationId xmlns:a16="http://schemas.microsoft.com/office/drawing/2014/main" id="{DFE2169C-50C6-D74F-8053-87C635687C9A}"/>
+          <p:cNvPr id="2" name="Slide Number Placeholder 1">
+            <a:extLst>
+              <a:ext uri="{FF2B5EF4-FFF2-40B4-BE49-F238E27FC236}">
+                <a16:creationId xmlns:a16="http://schemas.microsoft.com/office/drawing/2014/main" id="{22D73234-7DD8-3A4B-A138-AC11CC00AC87}"/>
+              </a:ext>
+            </a:extLst>
+          </p:cNvPr>
+          <p:cNvSpPr>
+            <a:spLocks noGrp="1"/>
+          </p:cNvSpPr>
+          <p:nvPr>
+            <p:ph type="sldNum" sz="quarter" idx="4"/>
+          </p:nvPr>
+        </p:nvSpPr>
+        <p:spPr/>
+        <p:txBody>
+          <a:bodyPr/>
+          <a:lstStyle/>
+          <a:p>
+            <a:fld id="{345D60D9-5372-5F40-9443-0F9AE5BDC3C8}" type="slidenum">
+              <a:rPr lang="en-US" smtClean="0"/>
+              <a:pPr/>
+              <a:t>2</a:t>
+            </a:fld>
+            <a:endParaRPr lang="en-US" dirty="0"/>
+          </a:p>
+        </p:txBody>
+      </p:sp>
+      <p:sp>
+        <p:nvSpPr>
+          <p:cNvPr id="14" name="Rectangle 13">
+            <a:extLst>
+              <a:ext uri="{FF2B5EF4-FFF2-40B4-BE49-F238E27FC236}">
+                <a16:creationId xmlns:a16="http://schemas.microsoft.com/office/drawing/2014/main" id="{1D646510-AEED-C14F-824B-F957DFA59E15}"/>
               </a:ext>
             </a:extLst>
           </p:cNvPr>
@@ -34659,8 +35406,8 @@
         </p:nvSpPr>
         <p:spPr>
           <a:xfrm>
-            <a:off x="4307957" y="2673857"/>
-            <a:ext cx="1479696" cy="646592"/>
+            <a:off x="3516881" y="2840608"/>
+            <a:ext cx="1479697" cy="804590"/>
           </a:xfrm>
           <a:prstGeom prst="rect">
             <a:avLst/>
@@ -34696,57 +35443,52 @@
           <a:lstStyle/>
           <a:p>
             <a:r>
-              <a:rPr lang="en-US" sz="1200" dirty="0" err="1">
-                <a:solidFill>
-                  <a:schemeClr val="accent1"/>
+              <a:rPr lang="en-US" sz="1200" dirty="0">
+                <a:solidFill>
+                  <a:schemeClr val="tx1"/>
                 </a:solidFill>
               </a:rPr>
-              <a:t>country_id</a:t>
-            </a:r>
-            <a:endParaRPr lang="en-US" sz="1200" dirty="0">
-              <a:solidFill>
-                <a:schemeClr val="accent1"/>
-              </a:solidFill>
-            </a:endParaRPr>
-          </a:p>
-          <a:p>
-            <a:r>
-              <a:rPr lang="en-US" sz="1200" dirty="0" err="1">
+              <a:t>number</a:t>
+            </a:r>
+          </a:p>
+          <a:p>
+            <a:r>
+              <a:rPr lang="en-US" sz="1200" dirty="0">
                 <a:solidFill>
                   <a:schemeClr val="tx1"/>
                 </a:solidFill>
               </a:rPr>
-              <a:t>country_name</a:t>
-            </a:r>
-            <a:endParaRPr lang="en-US" sz="1200" dirty="0">
-              <a:solidFill>
-                <a:schemeClr val="tx1"/>
-              </a:solidFill>
-            </a:endParaRPr>
-          </a:p>
-          <a:p>
-            <a:r>
-              <a:rPr lang="en-US" sz="1200" dirty="0" err="1">
+              <a:t>account_type</a:t>
+            </a:r>
+          </a:p>
+          <a:p>
+            <a:r>
+              <a:rPr lang="en-US" sz="1200" dirty="0">
                 <a:solidFill>
                   <a:schemeClr val="tx1"/>
                 </a:solidFill>
               </a:rPr>
-              <a:t>region_id</a:t>
-            </a:r>
-            <a:endParaRPr lang="en-US" sz="1200" dirty="0">
-              <a:solidFill>
-                <a:schemeClr val="tx1"/>
-              </a:solidFill>
-            </a:endParaRPr>
+              <a:t>person_id</a:t>
+            </a:r>
+          </a:p>
+          <a:p>
+            <a:r>
+              <a:rPr lang="en-US" sz="1200" dirty="0">
+                <a:solidFill>
+                  <a:schemeClr val="tx1"/>
+                </a:solidFill>
+              </a:rPr>
+              <a:t>company_id</a:t>
+            </a:r>
           </a:p>
         </p:txBody>
       </p:sp>
       <p:sp>
         <p:nvSpPr>
-          <p:cNvPr id="17" name="Rectangle 16">
-            <a:extLst>
-              <a:ext uri="{FF2B5EF4-FFF2-40B4-BE49-F238E27FC236}">
-                <a16:creationId xmlns:a16="http://schemas.microsoft.com/office/drawing/2014/main" id="{CD5A1D5B-D2A3-6647-8368-77F7B5BF9561}"/>
+          <p:cNvPr id="15" name="Rectangle 14">
+            <a:extLst>
+              <a:ext uri="{FF2B5EF4-FFF2-40B4-BE49-F238E27FC236}">
+                <a16:creationId xmlns:a16="http://schemas.microsoft.com/office/drawing/2014/main" id="{7FEA751D-5101-BE44-B7B9-9E0AA379AAC1}"/>
               </a:ext>
             </a:extLst>
           </p:cNvPr>
@@ -34755,8 +35497,8 @@
         </p:nvSpPr>
         <p:spPr>
           <a:xfrm>
-            <a:off x="4307957" y="2423488"/>
-            <a:ext cx="1479696" cy="228588"/>
+            <a:off x="3516882" y="2590239"/>
+            <a:ext cx="1479696" cy="250369"/>
           </a:xfrm>
           <a:prstGeom prst="rect">
             <a:avLst/>
@@ -34790,17 +35532,17 @@
           <a:p>
             <a:r>
               <a:rPr lang="en-US" sz="1400" dirty="0"/>
-              <a:t>Countries</a:t>
+              <a:t>Accounts</a:t>
             </a:r>
           </a:p>
         </p:txBody>
       </p:sp>
       <p:sp>
         <p:nvSpPr>
-          <p:cNvPr id="18" name="Rectangle 17">
-            <a:extLst>
-              <a:ext uri="{FF2B5EF4-FFF2-40B4-BE49-F238E27FC236}">
-                <a16:creationId xmlns:a16="http://schemas.microsoft.com/office/drawing/2014/main" id="{B1919093-E069-2F42-ABD5-3D4BF30F7D39}"/>
+          <p:cNvPr id="16" name="Rectangle 15">
+            <a:extLst>
+              <a:ext uri="{FF2B5EF4-FFF2-40B4-BE49-F238E27FC236}">
+                <a16:creationId xmlns:a16="http://schemas.microsoft.com/office/drawing/2014/main" id="{DFE2169C-50C6-D74F-8053-87C635687C9A}"/>
               </a:ext>
             </a:extLst>
           </p:cNvPr>
@@ -34809,8 +35551,8 @@
         </p:nvSpPr>
         <p:spPr>
           <a:xfrm>
-            <a:off x="4307957" y="3957179"/>
-            <a:ext cx="1479696" cy="1150229"/>
+            <a:off x="1544232" y="2428922"/>
+            <a:ext cx="1479696" cy="646592"/>
           </a:xfrm>
           <a:prstGeom prst="rect">
             <a:avLst/>
@@ -34846,97 +35588,42 @@
           <a:lstStyle/>
           <a:p>
             <a:r>
-              <a:rPr lang="en-US" sz="1200" dirty="0" err="1">
-                <a:solidFill>
-                  <a:schemeClr val="accent1"/>
+              <a:rPr lang="en-US" sz="1200" dirty="0">
+                <a:solidFill>
+                  <a:schemeClr val="tx1"/>
                 </a:solidFill>
               </a:rPr>
-              <a:t>location_id</a:t>
-            </a:r>
-            <a:endParaRPr lang="en-US" sz="1200" dirty="0">
-              <a:solidFill>
-                <a:schemeClr val="accent1"/>
-              </a:solidFill>
-            </a:endParaRPr>
-          </a:p>
-          <a:p>
-            <a:r>
-              <a:rPr lang="en-US" sz="1200" dirty="0" err="1">
+              <a:t>id</a:t>
+            </a:r>
+          </a:p>
+          <a:p>
+            <a:r>
+              <a:rPr lang="en-US" sz="1200" dirty="0">
                 <a:solidFill>
                   <a:schemeClr val="tx1"/>
                 </a:solidFill>
               </a:rPr>
-              <a:t>street_address</a:t>
-            </a:r>
-            <a:endParaRPr lang="en-US" sz="1200" dirty="0">
-              <a:solidFill>
-                <a:schemeClr val="tx1"/>
-              </a:solidFill>
-            </a:endParaRPr>
-          </a:p>
-          <a:p>
-            <a:r>
-              <a:rPr lang="en-US" sz="1200" dirty="0" err="1">
+              <a:t>name</a:t>
+            </a:r>
+          </a:p>
+          <a:p>
+            <a:r>
+              <a:rPr lang="en-US" sz="1200" dirty="0">
                 <a:solidFill>
                   <a:schemeClr val="tx1"/>
                 </a:solidFill>
               </a:rPr>
-              <a:t>postal_code</a:t>
-            </a:r>
-            <a:endParaRPr lang="en-US" sz="1200" dirty="0">
-              <a:solidFill>
-                <a:schemeClr val="tx1"/>
-              </a:solidFill>
-            </a:endParaRPr>
-          </a:p>
-          <a:p>
-            <a:r>
-              <a:rPr lang="en-US" sz="1200" dirty="0">
-                <a:solidFill>
-                  <a:schemeClr val="tx1"/>
-                </a:solidFill>
-              </a:rPr>
-              <a:t>city</a:t>
-            </a:r>
-          </a:p>
-          <a:p>
-            <a:r>
-              <a:rPr lang="en-US" sz="1200" dirty="0" err="1">
-                <a:solidFill>
-                  <a:schemeClr val="tx1"/>
-                </a:solidFill>
-              </a:rPr>
-              <a:t>state_province</a:t>
-            </a:r>
-            <a:endParaRPr lang="en-US" sz="1200" dirty="0">
-              <a:solidFill>
-                <a:schemeClr val="tx1"/>
-              </a:solidFill>
-            </a:endParaRPr>
-          </a:p>
-          <a:p>
-            <a:r>
-              <a:rPr lang="en-US" sz="1200" dirty="0" err="1">
-                <a:solidFill>
-                  <a:schemeClr val="tx1"/>
-                </a:solidFill>
-              </a:rPr>
-              <a:t>country_id</a:t>
-            </a:r>
-            <a:endParaRPr lang="en-US" sz="1200" dirty="0">
-              <a:solidFill>
-                <a:schemeClr val="tx1"/>
-              </a:solidFill>
-            </a:endParaRPr>
+              <a:t>company_id</a:t>
+            </a:r>
           </a:p>
         </p:txBody>
       </p:sp>
       <p:sp>
         <p:nvSpPr>
-          <p:cNvPr id="19" name="Rectangle 18">
-            <a:extLst>
-              <a:ext uri="{FF2B5EF4-FFF2-40B4-BE49-F238E27FC236}">
-                <a16:creationId xmlns:a16="http://schemas.microsoft.com/office/drawing/2014/main" id="{638A463B-8519-0B44-A6CF-8986A5F18BF1}"/>
+          <p:cNvPr id="17" name="Rectangle 16">
+            <a:extLst>
+              <a:ext uri="{FF2B5EF4-FFF2-40B4-BE49-F238E27FC236}">
+                <a16:creationId xmlns:a16="http://schemas.microsoft.com/office/drawing/2014/main" id="{CD5A1D5B-D2A3-6647-8368-77F7B5BF9561}"/>
               </a:ext>
             </a:extLst>
           </p:cNvPr>
@@ -34945,8 +35632,8 @@
         </p:nvSpPr>
         <p:spPr>
           <a:xfrm>
-            <a:off x="4307957" y="3706811"/>
-            <a:ext cx="1479696" cy="250368"/>
+            <a:off x="1542079" y="2200334"/>
+            <a:ext cx="1479696" cy="228588"/>
           </a:xfrm>
           <a:prstGeom prst="rect">
             <a:avLst/>
@@ -34980,7 +35667,7 @@
           <a:p>
             <a:r>
               <a:rPr lang="en-US" sz="1400" dirty="0"/>
-              <a:t>Locations</a:t>
+              <a:t>Persons</a:t>
             </a:r>
           </a:p>
         </p:txBody>
@@ -34999,7 +35686,7 @@
         </p:nvSpPr>
         <p:spPr>
           <a:xfrm>
-            <a:off x="4307956" y="1574407"/>
+            <a:off x="1542078" y="3630559"/>
             <a:ext cx="1479697" cy="460158"/>
           </a:xfrm>
           <a:prstGeom prst="rect">
@@ -35036,33 +35723,23 @@
           <a:lstStyle/>
           <a:p>
             <a:r>
-              <a:rPr lang="en-US" sz="1200" dirty="0" err="1">
-                <a:solidFill>
-                  <a:schemeClr val="accent1"/>
+              <a:rPr lang="en-US" sz="1200" dirty="0">
+                <a:solidFill>
+                  <a:schemeClr val="tx1"/>
                 </a:solidFill>
               </a:rPr>
-              <a:t>region_id</a:t>
-            </a:r>
-            <a:endParaRPr lang="en-US" sz="1200" dirty="0">
-              <a:solidFill>
-                <a:schemeClr val="accent1"/>
-              </a:solidFill>
-            </a:endParaRPr>
-          </a:p>
-          <a:p>
-            <a:r>
-              <a:rPr lang="en-US" sz="1200" dirty="0" err="1">
+              <a:t>id</a:t>
+            </a:r>
+          </a:p>
+          <a:p>
+            <a:r>
+              <a:rPr lang="en-US" sz="1200" dirty="0">
                 <a:solidFill>
                   <a:schemeClr val="tx1"/>
                 </a:solidFill>
               </a:rPr>
-              <a:t>region_name</a:t>
-            </a:r>
-            <a:endParaRPr lang="en-US" sz="1200" dirty="0">
-              <a:solidFill>
-                <a:schemeClr val="tx1"/>
-              </a:solidFill>
-            </a:endParaRPr>
+              <a:t>name</a:t>
+            </a:r>
           </a:p>
         </p:txBody>
       </p:sp>
@@ -35080,7 +35757,7 @@
         </p:nvSpPr>
         <p:spPr>
           <a:xfrm>
-            <a:off x="4307957" y="1324038"/>
+            <a:off x="1542079" y="3380190"/>
             <a:ext cx="1479696" cy="250369"/>
           </a:xfrm>
           <a:prstGeom prst="rect">
@@ -35115,59 +35792,17 @@
           <a:p>
             <a:r>
               <a:rPr lang="en-US" sz="1400" dirty="0"/>
-              <a:t>Regions</a:t>
+              <a:t>Companies</a:t>
             </a:r>
           </a:p>
         </p:txBody>
       </p:sp>
       <p:cxnSp>
         <p:nvCxnSpPr>
-          <p:cNvPr id="42" name="Straight Arrow Connector 41">
-            <a:extLst>
-              <a:ext uri="{FF2B5EF4-FFF2-40B4-BE49-F238E27FC236}">
-                <a16:creationId xmlns:a16="http://schemas.microsoft.com/office/drawing/2014/main" id="{CCBCBC02-7541-7748-9621-8ABA839C7932}"/>
-              </a:ext>
-            </a:extLst>
-          </p:cNvPr>
-          <p:cNvCxnSpPr/>
-          <p:nvPr/>
-        </p:nvCxnSpPr>
-        <p:spPr>
-          <a:xfrm>
-            <a:off x="4137834" y="1701211"/>
-            <a:ext cx="255182" cy="0"/>
-          </a:xfrm>
-          <a:prstGeom prst="straightConnector1">
-            <a:avLst/>
-          </a:prstGeom>
-          <a:ln w="12700">
-            <a:solidFill>
-              <a:schemeClr val="accent1"/>
-            </a:solidFill>
-            <a:tailEnd type="triangle"/>
-          </a:ln>
-        </p:spPr>
-        <p:style>
-          <a:lnRef idx="1">
-            <a:schemeClr val="accent1"/>
-          </a:lnRef>
-          <a:fillRef idx="0">
-            <a:schemeClr val="accent1"/>
-          </a:fillRef>
-          <a:effectRef idx="0">
-            <a:schemeClr val="accent1"/>
-          </a:effectRef>
-          <a:fontRef idx="minor">
-            <a:schemeClr val="tx1"/>
-          </a:fontRef>
-        </p:style>
-      </p:cxnSp>
-      <p:cxnSp>
-        <p:nvCxnSpPr>
-          <p:cNvPr id="43" name="Straight Arrow Connector 42">
-            <a:extLst>
-              <a:ext uri="{FF2B5EF4-FFF2-40B4-BE49-F238E27FC236}">
-                <a16:creationId xmlns:a16="http://schemas.microsoft.com/office/drawing/2014/main" id="{CF051B3B-7AD5-0345-981E-2533F547ADBE}"/>
+          <p:cNvPr id="66" name="Straight Arrow Connector 65">
+            <a:extLst>
+              <a:ext uri="{FF2B5EF4-FFF2-40B4-BE49-F238E27FC236}">
+                <a16:creationId xmlns:a16="http://schemas.microsoft.com/office/drawing/2014/main" id="{F81771CF-46BA-B24A-8554-C3F99FE1CF0F}"/>
               </a:ext>
             </a:extLst>
           </p:cNvPr>
@@ -35178,320 +35813,7 @@
         </p:nvCxnSpPr>
         <p:spPr>
           <a:xfrm>
-            <a:off x="4146695" y="3182681"/>
-            <a:ext cx="235688" cy="0"/>
-          </a:xfrm>
-          <a:prstGeom prst="straightConnector1">
-            <a:avLst/>
-          </a:prstGeom>
-          <a:ln w="12700">
-            <a:solidFill>
-              <a:schemeClr val="accent1"/>
-            </a:solidFill>
-            <a:headEnd type="none"/>
-            <a:tailEnd type="none"/>
-          </a:ln>
-        </p:spPr>
-        <p:style>
-          <a:lnRef idx="1">
-            <a:schemeClr val="accent1"/>
-          </a:lnRef>
-          <a:fillRef idx="0">
-            <a:schemeClr val="accent1"/>
-          </a:fillRef>
-          <a:effectRef idx="0">
-            <a:schemeClr val="accent1"/>
-          </a:effectRef>
-          <a:fontRef idx="minor">
-            <a:schemeClr val="tx1"/>
-          </a:fontRef>
-        </p:style>
-      </p:cxnSp>
-      <p:cxnSp>
-        <p:nvCxnSpPr>
-          <p:cNvPr id="47" name="Straight Arrow Connector 46">
-            <a:extLst>
-              <a:ext uri="{FF2B5EF4-FFF2-40B4-BE49-F238E27FC236}">
-                <a16:creationId xmlns:a16="http://schemas.microsoft.com/office/drawing/2014/main" id="{B7145472-0045-B04A-88B1-8E0719A00AAE}"/>
-              </a:ext>
-            </a:extLst>
-          </p:cNvPr>
-          <p:cNvCxnSpPr>
-            <a:cxnSpLocks/>
-          </p:cNvCxnSpPr>
-          <p:nvPr/>
-        </p:nvCxnSpPr>
-        <p:spPr>
-          <a:xfrm flipH="1" flipV="1">
-            <a:off x="4137834" y="1701211"/>
-            <a:ext cx="8861" cy="1481470"/>
-          </a:xfrm>
-          <a:prstGeom prst="straightConnector1">
-            <a:avLst/>
-          </a:prstGeom>
-          <a:ln w="12700">
-            <a:solidFill>
-              <a:schemeClr val="accent1"/>
-            </a:solidFill>
-            <a:headEnd type="none"/>
-            <a:tailEnd type="none"/>
-          </a:ln>
-        </p:spPr>
-        <p:style>
-          <a:lnRef idx="1">
-            <a:schemeClr val="accent1"/>
-          </a:lnRef>
-          <a:fillRef idx="0">
-            <a:schemeClr val="accent1"/>
-          </a:fillRef>
-          <a:effectRef idx="0">
-            <a:schemeClr val="accent1"/>
-          </a:effectRef>
-          <a:fontRef idx="minor">
-            <a:schemeClr val="tx1"/>
-          </a:fontRef>
-        </p:style>
-      </p:cxnSp>
-      <p:cxnSp>
-        <p:nvCxnSpPr>
-          <p:cNvPr id="51" name="Straight Arrow Connector 50">
-            <a:extLst>
-              <a:ext uri="{FF2B5EF4-FFF2-40B4-BE49-F238E27FC236}">
-                <a16:creationId xmlns:a16="http://schemas.microsoft.com/office/drawing/2014/main" id="{815BD758-E554-0645-A85D-EAF29C016FB2}"/>
-              </a:ext>
-            </a:extLst>
-          </p:cNvPr>
-          <p:cNvCxnSpPr>
-            <a:cxnSpLocks/>
-          </p:cNvCxnSpPr>
-          <p:nvPr/>
-        </p:nvCxnSpPr>
-        <p:spPr>
-          <a:xfrm>
-            <a:off x="4029740" y="2822525"/>
-            <a:ext cx="365048" cy="0"/>
-          </a:xfrm>
-          <a:prstGeom prst="straightConnector1">
-            <a:avLst/>
-          </a:prstGeom>
-          <a:ln w="12700">
-            <a:solidFill>
-              <a:schemeClr val="accent1"/>
-            </a:solidFill>
-            <a:tailEnd type="triangle"/>
-          </a:ln>
-        </p:spPr>
-        <p:style>
-          <a:lnRef idx="1">
-            <a:schemeClr val="accent1"/>
-          </a:lnRef>
-          <a:fillRef idx="0">
-            <a:schemeClr val="accent1"/>
-          </a:fillRef>
-          <a:effectRef idx="0">
-            <a:schemeClr val="accent1"/>
-          </a:effectRef>
-          <a:fontRef idx="minor">
-            <a:schemeClr val="tx1"/>
-          </a:fontRef>
-        </p:style>
-      </p:cxnSp>
-      <p:cxnSp>
-        <p:nvCxnSpPr>
-          <p:cNvPr id="52" name="Straight Arrow Connector 51">
-            <a:extLst>
-              <a:ext uri="{FF2B5EF4-FFF2-40B4-BE49-F238E27FC236}">
-                <a16:creationId xmlns:a16="http://schemas.microsoft.com/office/drawing/2014/main" id="{D28BFF59-A509-9042-941B-09D3EA4FBB26}"/>
-              </a:ext>
-            </a:extLst>
-          </p:cNvPr>
-          <p:cNvCxnSpPr>
-            <a:cxnSpLocks/>
-          </p:cNvCxnSpPr>
-          <p:nvPr/>
-        </p:nvCxnSpPr>
-        <p:spPr>
-          <a:xfrm>
-            <a:off x="4037710" y="5005750"/>
-            <a:ext cx="335812" cy="0"/>
-          </a:xfrm>
-          <a:prstGeom prst="straightConnector1">
-            <a:avLst/>
-          </a:prstGeom>
-          <a:ln w="12700">
-            <a:solidFill>
-              <a:schemeClr val="accent1"/>
-            </a:solidFill>
-            <a:headEnd type="none"/>
-            <a:tailEnd type="none"/>
-          </a:ln>
-        </p:spPr>
-        <p:style>
-          <a:lnRef idx="1">
-            <a:schemeClr val="accent1"/>
-          </a:lnRef>
-          <a:fillRef idx="0">
-            <a:schemeClr val="accent1"/>
-          </a:fillRef>
-          <a:effectRef idx="0">
-            <a:schemeClr val="accent1"/>
-          </a:effectRef>
-          <a:fontRef idx="minor">
-            <a:schemeClr val="tx1"/>
-          </a:fontRef>
-        </p:style>
-      </p:cxnSp>
-      <p:cxnSp>
-        <p:nvCxnSpPr>
-          <p:cNvPr id="53" name="Straight Arrow Connector 52">
-            <a:extLst>
-              <a:ext uri="{FF2B5EF4-FFF2-40B4-BE49-F238E27FC236}">
-                <a16:creationId xmlns:a16="http://schemas.microsoft.com/office/drawing/2014/main" id="{4459F362-2FE4-5440-A882-B90D3B0BD484}"/>
-              </a:ext>
-            </a:extLst>
-          </p:cNvPr>
-          <p:cNvCxnSpPr>
-            <a:cxnSpLocks/>
-          </p:cNvCxnSpPr>
-          <p:nvPr/>
-        </p:nvCxnSpPr>
-        <p:spPr>
-          <a:xfrm flipV="1">
-            <a:off x="4037710" y="2822208"/>
-            <a:ext cx="0" cy="2183542"/>
-          </a:xfrm>
-          <a:prstGeom prst="straightConnector1">
-            <a:avLst/>
-          </a:prstGeom>
-          <a:ln w="12700">
-            <a:solidFill>
-              <a:schemeClr val="accent1"/>
-            </a:solidFill>
-            <a:headEnd type="none"/>
-            <a:tailEnd type="none"/>
-          </a:ln>
-        </p:spPr>
-        <p:style>
-          <a:lnRef idx="1">
-            <a:schemeClr val="accent1"/>
-          </a:lnRef>
-          <a:fillRef idx="0">
-            <a:schemeClr val="accent1"/>
-          </a:fillRef>
-          <a:effectRef idx="0">
-            <a:schemeClr val="accent1"/>
-          </a:effectRef>
-          <a:fontRef idx="minor">
-            <a:schemeClr val="tx1"/>
-          </a:fontRef>
-        </p:style>
-      </p:cxnSp>
-      <p:cxnSp>
-        <p:nvCxnSpPr>
-          <p:cNvPr id="61" name="Straight Arrow Connector 60">
-            <a:extLst>
-              <a:ext uri="{FF2B5EF4-FFF2-40B4-BE49-F238E27FC236}">
-                <a16:creationId xmlns:a16="http://schemas.microsoft.com/office/drawing/2014/main" id="{4EF26729-32F9-C940-A323-7909EC21ED2F}"/>
-              </a:ext>
-            </a:extLst>
-          </p:cNvPr>
-          <p:cNvCxnSpPr>
-            <a:cxnSpLocks/>
-          </p:cNvCxnSpPr>
-          <p:nvPr/>
-        </p:nvCxnSpPr>
-        <p:spPr>
-          <a:xfrm flipV="1">
-            <a:off x="5992070" y="2186267"/>
-            <a:ext cx="0" cy="1897842"/>
-          </a:xfrm>
-          <a:prstGeom prst="straightConnector1">
-            <a:avLst/>
-          </a:prstGeom>
-          <a:ln w="12700">
-            <a:solidFill>
-              <a:schemeClr val="accent1"/>
-            </a:solidFill>
-            <a:headEnd type="none"/>
-            <a:tailEnd type="none"/>
-          </a:ln>
-        </p:spPr>
-        <p:style>
-          <a:lnRef idx="1">
-            <a:schemeClr val="accent1"/>
-          </a:lnRef>
-          <a:fillRef idx="0">
-            <a:schemeClr val="accent1"/>
-          </a:fillRef>
-          <a:effectRef idx="0">
-            <a:schemeClr val="accent1"/>
-          </a:effectRef>
-          <a:fontRef idx="minor">
-            <a:schemeClr val="tx1"/>
-          </a:fontRef>
-        </p:style>
-      </p:cxnSp>
-      <p:cxnSp>
-        <p:nvCxnSpPr>
-          <p:cNvPr id="62" name="Straight Arrow Connector 61">
-            <a:extLst>
-              <a:ext uri="{FF2B5EF4-FFF2-40B4-BE49-F238E27FC236}">
-                <a16:creationId xmlns:a16="http://schemas.microsoft.com/office/drawing/2014/main" id="{1A725803-0A70-FF41-B3DF-23B2394D96FB}"/>
-              </a:ext>
-            </a:extLst>
-          </p:cNvPr>
-          <p:cNvCxnSpPr>
-            <a:cxnSpLocks/>
-          </p:cNvCxnSpPr>
-          <p:nvPr/>
-        </p:nvCxnSpPr>
-        <p:spPr>
-          <a:xfrm flipH="1">
-            <a:off x="5310266" y="4084108"/>
-            <a:ext cx="681804" cy="0"/>
-          </a:xfrm>
-          <a:prstGeom prst="straightConnector1">
-            <a:avLst/>
-          </a:prstGeom>
-          <a:ln w="12700">
-            <a:solidFill>
-              <a:schemeClr val="accent1"/>
-            </a:solidFill>
-            <a:tailEnd type="triangle"/>
-          </a:ln>
-        </p:spPr>
-        <p:style>
-          <a:lnRef idx="1">
-            <a:schemeClr val="accent1"/>
-          </a:lnRef>
-          <a:fillRef idx="0">
-            <a:schemeClr val="accent1"/>
-          </a:fillRef>
-          <a:effectRef idx="0">
-            <a:schemeClr val="accent1"/>
-          </a:effectRef>
-          <a:fontRef idx="minor">
-            <a:schemeClr val="tx1"/>
-          </a:fontRef>
-        </p:style>
-      </p:cxnSp>
-      <p:cxnSp>
-        <p:nvCxnSpPr>
-          <p:cNvPr id="66" name="Straight Arrow Connector 65">
-            <a:extLst>
-              <a:ext uri="{FF2B5EF4-FFF2-40B4-BE49-F238E27FC236}">
-                <a16:creationId xmlns:a16="http://schemas.microsoft.com/office/drawing/2014/main" id="{F81771CF-46BA-B24A-8554-C3F99FE1CF0F}"/>
-              </a:ext>
-            </a:extLst>
-          </p:cNvPr>
-          <p:cNvCxnSpPr>
-            <a:cxnSpLocks/>
-          </p:cNvCxnSpPr>
-          <p:nvPr/>
-        </p:nvCxnSpPr>
-        <p:spPr>
-          <a:xfrm>
-            <a:off x="5992070" y="2186267"/>
+            <a:off x="5756320" y="2523668"/>
             <a:ext cx="506993" cy="0"/>
           </a:xfrm>
           <a:prstGeom prst="straightConnector1">
@@ -35534,8 +35856,8 @@
         </p:nvSpPr>
         <p:spPr>
           <a:xfrm>
-            <a:off x="4029740" y="718771"/>
-            <a:ext cx="6158260" cy="369332"/>
+            <a:off x="1542078" y="1536245"/>
+            <a:ext cx="5429302" cy="584775"/>
           </a:xfrm>
           <a:prstGeom prst="rect">
             <a:avLst/>
@@ -35555,8 +35877,28 @@
                   <a:schemeClr val="bg2"/>
                 </a:solidFill>
               </a:rPr>
-              <a:t>Human Resources (HR) – Schema</a:t>
-            </a:r>
+              <a:t>Schema for "financial_transansaction"</a:t>
+            </a:r>
+            <a:br>
+              <a:rPr lang="en-US" dirty="0">
+                <a:solidFill>
+                  <a:schemeClr val="bg2"/>
+                </a:solidFill>
+              </a:rPr>
+            </a:br>
+            <a:r>
+              <a:rPr lang="en-US" sz="1400" dirty="0">
+                <a:solidFill>
+                  <a:schemeClr val="bg2"/>
+                </a:solidFill>
+              </a:rPr>
+              <a:t>without primary and foreign keys</a:t>
+            </a:r>
+            <a:endParaRPr lang="en-US" dirty="0">
+              <a:solidFill>
+                <a:schemeClr val="bg2"/>
+              </a:solidFill>
+            </a:endParaRPr>
           </a:p>
         </p:txBody>
       </p:sp>
@@ -35576,7 +35918,7 @@
         </p:nvCxnSpPr>
         <p:spPr>
           <a:xfrm>
-            <a:off x="6236734" y="3026730"/>
+            <a:off x="6000984" y="2855195"/>
             <a:ext cx="289007" cy="0"/>
           </a:xfrm>
           <a:prstGeom prst="straightConnector1">
@@ -35604,904 +35946,175 @@
           </a:fontRef>
         </p:style>
       </p:cxnSp>
-      <p:cxnSp>
-        <p:nvCxnSpPr>
-          <p:cNvPr id="71" name="Straight Arrow Connector 70">
-            <a:extLst>
-              <a:ext uri="{FF2B5EF4-FFF2-40B4-BE49-F238E27FC236}">
-                <a16:creationId xmlns:a16="http://schemas.microsoft.com/office/drawing/2014/main" id="{04BDFA14-A2F4-CC41-9C7D-B95C2D3D158C}"/>
-              </a:ext>
-            </a:extLst>
-          </p:cNvPr>
-          <p:cNvCxnSpPr>
-            <a:cxnSpLocks/>
-          </p:cNvCxnSpPr>
+      <p:sp>
+        <p:nvSpPr>
+          <p:cNvPr id="54" name="Rectangle 53">
+            <a:extLst>
+              <a:ext uri="{FF2B5EF4-FFF2-40B4-BE49-F238E27FC236}">
+                <a16:creationId xmlns:a16="http://schemas.microsoft.com/office/drawing/2014/main" id="{3161B468-FCF2-F042-9F00-3E98619665AE}"/>
+              </a:ext>
+            </a:extLst>
+          </p:cNvPr>
+          <p:cNvSpPr/>
           <p:nvPr/>
-        </p:nvCxnSpPr>
-        <p:spPr>
-          <a:xfrm>
-            <a:off x="6236734" y="4955653"/>
-            <a:ext cx="262329" cy="0"/>
-          </a:xfrm>
-          <a:prstGeom prst="straightConnector1">
-            <a:avLst/>
-          </a:prstGeom>
-          <a:ln w="12700">
-            <a:solidFill>
-              <a:schemeClr val="accent1"/>
-            </a:solidFill>
-            <a:headEnd type="none"/>
-            <a:tailEnd type="none"/>
+        </p:nvSpPr>
+        <p:spPr>
+          <a:xfrm>
+            <a:off x="5491683" y="2740129"/>
+            <a:ext cx="1479697" cy="989642"/>
+          </a:xfrm>
+          <a:prstGeom prst="rect">
+            <a:avLst/>
+          </a:prstGeom>
+          <a:solidFill>
+            <a:schemeClr val="accent6">
+              <a:lumMod val="20000"/>
+              <a:lumOff val="80000"/>
+            </a:schemeClr>
+          </a:solidFill>
+          <a:ln>
+            <a:noFill/>
           </a:ln>
         </p:spPr>
         <p:style>
-          <a:lnRef idx="1">
-            <a:schemeClr val="accent1"/>
+          <a:lnRef idx="2">
+            <a:schemeClr val="accent1">
+              <a:shade val="50000"/>
+            </a:schemeClr>
           </a:lnRef>
-          <a:fillRef idx="0">
+          <a:fillRef idx="1">
             <a:schemeClr val="accent1"/>
           </a:fillRef>
           <a:effectRef idx="0">
             <a:schemeClr val="accent1"/>
           </a:effectRef>
           <a:fontRef idx="minor">
-            <a:schemeClr val="tx1"/>
+            <a:schemeClr val="lt1"/>
           </a:fontRef>
         </p:style>
-      </p:cxnSp>
-      <p:cxnSp>
-        <p:nvCxnSpPr>
-          <p:cNvPr id="72" name="Straight Arrow Connector 71">
-            <a:extLst>
-              <a:ext uri="{FF2B5EF4-FFF2-40B4-BE49-F238E27FC236}">
-                <a16:creationId xmlns:a16="http://schemas.microsoft.com/office/drawing/2014/main" id="{C5D4F6ED-B898-FB47-BA21-7ED9A7B4FB02}"/>
-              </a:ext>
-            </a:extLst>
-          </p:cNvPr>
-          <p:cNvCxnSpPr>
-            <a:cxnSpLocks/>
-          </p:cNvCxnSpPr>
+        <p:txBody>
+          <a:bodyPr rtlCol="0" anchor="t"/>
+          <a:lstStyle/>
+          <a:p>
+            <a:r>
+              <a:rPr lang="en-US" sz="1200" dirty="0">
+                <a:solidFill>
+                  <a:schemeClr val="tx1"/>
+                </a:solidFill>
+              </a:rPr>
+              <a:t>id</a:t>
+            </a:r>
+          </a:p>
+          <a:p>
+            <a:r>
+              <a:rPr lang="en-US" sz="1200" dirty="0">
+                <a:solidFill>
+                  <a:schemeClr val="tx1"/>
+                </a:solidFill>
+              </a:rPr>
+              <a:t>from_account</a:t>
+            </a:r>
+            <a:br>
+              <a:rPr lang="en-US" sz="1200" dirty="0">
+                <a:solidFill>
+                  <a:schemeClr val="tx1"/>
+                </a:solidFill>
+              </a:rPr>
+            </a:br>
+            <a:r>
+              <a:rPr lang="en-US" sz="1200" dirty="0">
+                <a:solidFill>
+                  <a:schemeClr val="tx1"/>
+                </a:solidFill>
+              </a:rPr>
+              <a:t>to_account</a:t>
+            </a:r>
+            <a:br>
+              <a:rPr lang="en-US" sz="1200" dirty="0">
+                <a:solidFill>
+                  <a:schemeClr val="tx1"/>
+                </a:solidFill>
+              </a:rPr>
+            </a:br>
+            <a:r>
+              <a:rPr lang="en-US" sz="1200" dirty="0">
+                <a:solidFill>
+                  <a:schemeClr val="tx1"/>
+                </a:solidFill>
+              </a:rPr>
+              <a:t>date</a:t>
+            </a:r>
+          </a:p>
+          <a:p>
+            <a:r>
+              <a:rPr lang="en-US" sz="1200" dirty="0">
+                <a:solidFill>
+                  <a:schemeClr val="tx1"/>
+                </a:solidFill>
+              </a:rPr>
+              <a:t>amount</a:t>
+            </a:r>
+          </a:p>
+        </p:txBody>
+      </p:sp>
+      <p:sp>
+        <p:nvSpPr>
+          <p:cNvPr id="55" name="Rectangle 54">
+            <a:extLst>
+              <a:ext uri="{FF2B5EF4-FFF2-40B4-BE49-F238E27FC236}">
+                <a16:creationId xmlns:a16="http://schemas.microsoft.com/office/drawing/2014/main" id="{A06A9845-8246-6048-9679-94C9AB7FD4C7}"/>
+              </a:ext>
+            </a:extLst>
+          </p:cNvPr>
+          <p:cNvSpPr/>
           <p:nvPr/>
-        </p:nvCxnSpPr>
-        <p:spPr>
-          <a:xfrm flipV="1">
-            <a:off x="6236734" y="3026730"/>
-            <a:ext cx="0" cy="1928923"/>
-          </a:xfrm>
-          <a:prstGeom prst="straightConnector1">
-            <a:avLst/>
-          </a:prstGeom>
-          <a:ln w="12700">
-            <a:solidFill>
-              <a:schemeClr val="accent1"/>
-            </a:solidFill>
-            <a:headEnd type="none"/>
-            <a:tailEnd type="none"/>
+        </p:nvSpPr>
+        <p:spPr>
+          <a:xfrm>
+            <a:off x="5491684" y="2489760"/>
+            <a:ext cx="1479696" cy="250369"/>
+          </a:xfrm>
+          <a:prstGeom prst="rect">
+            <a:avLst/>
+          </a:prstGeom>
+          <a:solidFill>
+            <a:schemeClr val="accent6"/>
+          </a:solidFill>
+          <a:ln>
+            <a:noFill/>
           </a:ln>
         </p:spPr>
         <p:style>
-          <a:lnRef idx="1">
-            <a:schemeClr val="accent1"/>
+          <a:lnRef idx="2">
+            <a:schemeClr val="accent1">
+              <a:shade val="50000"/>
+            </a:schemeClr>
           </a:lnRef>
-          <a:fillRef idx="0">
+          <a:fillRef idx="1">
             <a:schemeClr val="accent1"/>
           </a:fillRef>
           <a:effectRef idx="0">
             <a:schemeClr val="accent1"/>
           </a:effectRef>
           <a:fontRef idx="minor">
-            <a:schemeClr val="tx1"/>
+            <a:schemeClr val="lt1"/>
           </a:fontRef>
         </p:style>
-      </p:cxnSp>
-      <p:cxnSp>
-        <p:nvCxnSpPr>
-          <p:cNvPr id="76" name="Straight Arrow Connector 75">
-            <a:extLst>
-              <a:ext uri="{FF2B5EF4-FFF2-40B4-BE49-F238E27FC236}">
-                <a16:creationId xmlns:a16="http://schemas.microsoft.com/office/drawing/2014/main" id="{796EDD8F-E5B0-BA4C-AB70-56697EDF815A}"/>
-              </a:ext>
-            </a:extLst>
-          </p:cNvPr>
-          <p:cNvCxnSpPr>
-            <a:cxnSpLocks/>
-          </p:cNvCxnSpPr>
-          <p:nvPr/>
-        </p:nvCxnSpPr>
-        <p:spPr>
-          <a:xfrm>
-            <a:off x="7592130" y="5134861"/>
-            <a:ext cx="404897" cy="0"/>
-          </a:xfrm>
-          <a:prstGeom prst="straightConnector1">
-            <a:avLst/>
-          </a:prstGeom>
-          <a:ln w="12700">
-            <a:solidFill>
-              <a:schemeClr val="accent1"/>
-            </a:solidFill>
-            <a:headEnd type="none"/>
-            <a:tailEnd type="none"/>
-          </a:ln>
-        </p:spPr>
-        <p:style>
-          <a:lnRef idx="1">
-            <a:schemeClr val="accent1"/>
-          </a:lnRef>
-          <a:fillRef idx="0">
-            <a:schemeClr val="accent1"/>
-          </a:fillRef>
-          <a:effectRef idx="0">
-            <a:schemeClr val="accent1"/>
-          </a:effectRef>
-          <a:fontRef idx="minor">
-            <a:schemeClr val="tx1"/>
-          </a:fontRef>
-        </p:style>
-      </p:cxnSp>
-      <p:cxnSp>
-        <p:nvCxnSpPr>
-          <p:cNvPr id="78" name="Straight Arrow Connector 77">
-            <a:extLst>
-              <a:ext uri="{FF2B5EF4-FFF2-40B4-BE49-F238E27FC236}">
-                <a16:creationId xmlns:a16="http://schemas.microsoft.com/office/drawing/2014/main" id="{31F6CAC8-97C6-4B4D-9C1D-293067B22165}"/>
-              </a:ext>
-            </a:extLst>
-          </p:cNvPr>
-          <p:cNvCxnSpPr>
-            <a:cxnSpLocks/>
-          </p:cNvCxnSpPr>
-          <p:nvPr/>
-        </p:nvCxnSpPr>
-        <p:spPr>
-          <a:xfrm flipV="1">
-            <a:off x="7992518" y="1666483"/>
-            <a:ext cx="0" cy="3468379"/>
-          </a:xfrm>
-          <a:prstGeom prst="straightConnector1">
-            <a:avLst/>
-          </a:prstGeom>
-          <a:ln w="12700">
-            <a:solidFill>
-              <a:schemeClr val="accent1"/>
-            </a:solidFill>
-            <a:headEnd type="none"/>
-            <a:tailEnd type="none"/>
-          </a:ln>
-        </p:spPr>
-        <p:style>
-          <a:lnRef idx="1">
-            <a:schemeClr val="accent1"/>
-          </a:lnRef>
-          <a:fillRef idx="0">
-            <a:schemeClr val="accent1"/>
-          </a:fillRef>
-          <a:effectRef idx="0">
-            <a:schemeClr val="accent1"/>
-          </a:effectRef>
-          <a:fontRef idx="minor">
-            <a:schemeClr val="tx1"/>
-          </a:fontRef>
-        </p:style>
-      </p:cxnSp>
-      <p:cxnSp>
-        <p:nvCxnSpPr>
-          <p:cNvPr id="80" name="Straight Arrow Connector 79">
-            <a:extLst>
-              <a:ext uri="{FF2B5EF4-FFF2-40B4-BE49-F238E27FC236}">
-                <a16:creationId xmlns:a16="http://schemas.microsoft.com/office/drawing/2014/main" id="{953B7EAA-BD67-C144-A687-13D9B3B048E9}"/>
-              </a:ext>
-            </a:extLst>
-          </p:cNvPr>
-          <p:cNvCxnSpPr>
-            <a:cxnSpLocks/>
-          </p:cNvCxnSpPr>
-          <p:nvPr/>
-        </p:nvCxnSpPr>
-        <p:spPr>
-          <a:xfrm flipH="1">
-            <a:off x="7592130" y="1666483"/>
-            <a:ext cx="400388" cy="0"/>
-          </a:xfrm>
-          <a:prstGeom prst="straightConnector1">
-            <a:avLst/>
-          </a:prstGeom>
-          <a:ln w="12700">
-            <a:solidFill>
-              <a:schemeClr val="accent1"/>
-            </a:solidFill>
-            <a:tailEnd type="triangle"/>
-          </a:ln>
-        </p:spPr>
-        <p:style>
-          <a:lnRef idx="1">
-            <a:schemeClr val="accent1"/>
-          </a:lnRef>
-          <a:fillRef idx="0">
-            <a:schemeClr val="accent1"/>
-          </a:fillRef>
-          <a:effectRef idx="0">
-            <a:schemeClr val="accent1"/>
-          </a:effectRef>
-          <a:fontRef idx="minor">
-            <a:schemeClr val="tx1"/>
-          </a:fontRef>
-        </p:style>
-      </p:cxnSp>
-      <p:cxnSp>
-        <p:nvCxnSpPr>
-          <p:cNvPr id="84" name="Straight Arrow Connector 83">
-            <a:extLst>
-              <a:ext uri="{FF2B5EF4-FFF2-40B4-BE49-F238E27FC236}">
-                <a16:creationId xmlns:a16="http://schemas.microsoft.com/office/drawing/2014/main" id="{B63CFEF5-075A-6447-BAB6-5A904ACAB572}"/>
-              </a:ext>
-            </a:extLst>
-          </p:cNvPr>
-          <p:cNvCxnSpPr>
-            <a:cxnSpLocks/>
-          </p:cNvCxnSpPr>
-          <p:nvPr/>
-        </p:nvCxnSpPr>
-        <p:spPr>
-          <a:xfrm>
-            <a:off x="8521775" y="4335197"/>
-            <a:ext cx="182072" cy="0"/>
-          </a:xfrm>
-          <a:prstGeom prst="straightConnector1">
-            <a:avLst/>
-          </a:prstGeom>
-          <a:ln w="12700">
-            <a:solidFill>
-              <a:schemeClr val="accent1"/>
-            </a:solidFill>
-            <a:headEnd type="none"/>
-            <a:tailEnd type="none"/>
-          </a:ln>
-        </p:spPr>
-        <p:style>
-          <a:lnRef idx="1">
-            <a:schemeClr val="accent1"/>
-          </a:lnRef>
-          <a:fillRef idx="0">
-            <a:schemeClr val="accent1"/>
-          </a:fillRef>
-          <a:effectRef idx="0">
-            <a:schemeClr val="accent1"/>
-          </a:effectRef>
-          <a:fontRef idx="minor">
-            <a:schemeClr val="tx1"/>
-          </a:fontRef>
-        </p:style>
-      </p:cxnSp>
-      <p:cxnSp>
-        <p:nvCxnSpPr>
-          <p:cNvPr id="86" name="Straight Arrow Connector 85">
-            <a:extLst>
-              <a:ext uri="{FF2B5EF4-FFF2-40B4-BE49-F238E27FC236}">
-                <a16:creationId xmlns:a16="http://schemas.microsoft.com/office/drawing/2014/main" id="{8385F70B-ED75-7C4F-9697-DB0DC69C50D6}"/>
-              </a:ext>
-            </a:extLst>
-          </p:cNvPr>
-          <p:cNvCxnSpPr>
-            <a:cxnSpLocks/>
-          </p:cNvCxnSpPr>
-          <p:nvPr/>
-        </p:nvCxnSpPr>
-        <p:spPr>
-          <a:xfrm flipV="1">
-            <a:off x="8521775" y="1602365"/>
-            <a:ext cx="0" cy="2737424"/>
-          </a:xfrm>
-          <a:prstGeom prst="straightConnector1">
-            <a:avLst/>
-          </a:prstGeom>
-          <a:ln w="12700">
-            <a:solidFill>
-              <a:schemeClr val="accent1"/>
-            </a:solidFill>
-            <a:headEnd type="none"/>
-            <a:tailEnd type="none"/>
-          </a:ln>
-        </p:spPr>
-        <p:style>
-          <a:lnRef idx="1">
-            <a:schemeClr val="accent1"/>
-          </a:lnRef>
-          <a:fillRef idx="0">
-            <a:schemeClr val="accent1"/>
-          </a:fillRef>
-          <a:effectRef idx="0">
-            <a:schemeClr val="accent1"/>
-          </a:effectRef>
-          <a:fontRef idx="minor">
-            <a:schemeClr val="tx1"/>
-          </a:fontRef>
-        </p:style>
-      </p:cxnSp>
-      <p:cxnSp>
-        <p:nvCxnSpPr>
-          <p:cNvPr id="88" name="Straight Arrow Connector 87">
-            <a:extLst>
-              <a:ext uri="{FF2B5EF4-FFF2-40B4-BE49-F238E27FC236}">
-                <a16:creationId xmlns:a16="http://schemas.microsoft.com/office/drawing/2014/main" id="{027B00DF-D57C-554F-9D09-CCE2CF6E25FB}"/>
-              </a:ext>
-            </a:extLst>
-          </p:cNvPr>
-          <p:cNvCxnSpPr>
-            <a:cxnSpLocks/>
-          </p:cNvCxnSpPr>
-          <p:nvPr/>
-        </p:nvCxnSpPr>
-        <p:spPr>
-          <a:xfrm flipH="1">
-            <a:off x="7592130" y="1602365"/>
-            <a:ext cx="929646" cy="0"/>
-          </a:xfrm>
-          <a:prstGeom prst="straightConnector1">
-            <a:avLst/>
-          </a:prstGeom>
-          <a:ln w="12700">
-            <a:solidFill>
-              <a:schemeClr val="accent1"/>
-            </a:solidFill>
-            <a:tailEnd type="triangle"/>
-          </a:ln>
-        </p:spPr>
-        <p:style>
-          <a:lnRef idx="1">
-            <a:schemeClr val="accent1"/>
-          </a:lnRef>
-          <a:fillRef idx="0">
-            <a:schemeClr val="accent1"/>
-          </a:fillRef>
-          <a:effectRef idx="0">
-            <a:schemeClr val="accent1"/>
-          </a:effectRef>
-          <a:fontRef idx="minor">
-            <a:schemeClr val="tx1"/>
-          </a:fontRef>
-        </p:style>
-      </p:cxnSp>
-      <p:cxnSp>
-        <p:nvCxnSpPr>
-          <p:cNvPr id="92" name="Straight Arrow Connector 91">
-            <a:extLst>
-              <a:ext uri="{FF2B5EF4-FFF2-40B4-BE49-F238E27FC236}">
-                <a16:creationId xmlns:a16="http://schemas.microsoft.com/office/drawing/2014/main" id="{4C9E3A72-6B1A-CB4F-903C-FB97E356B6AA}"/>
-              </a:ext>
-            </a:extLst>
-          </p:cNvPr>
-          <p:cNvCxnSpPr>
-            <a:cxnSpLocks/>
-          </p:cNvCxnSpPr>
-          <p:nvPr/>
-        </p:nvCxnSpPr>
-        <p:spPr>
-          <a:xfrm>
-            <a:off x="7501459" y="4404668"/>
-            <a:ext cx="938190" cy="0"/>
-          </a:xfrm>
-          <a:prstGeom prst="straightConnector1">
-            <a:avLst/>
-          </a:prstGeom>
-          <a:ln w="12700">
-            <a:solidFill>
-              <a:schemeClr val="accent1"/>
-            </a:solidFill>
-            <a:headEnd type="none"/>
-            <a:tailEnd type="none"/>
-          </a:ln>
-        </p:spPr>
-        <p:style>
-          <a:lnRef idx="1">
-            <a:schemeClr val="accent1"/>
-          </a:lnRef>
-          <a:fillRef idx="0">
-            <a:schemeClr val="accent1"/>
-          </a:fillRef>
-          <a:effectRef idx="0">
-            <a:schemeClr val="accent1"/>
-          </a:effectRef>
-          <a:fontRef idx="minor">
-            <a:schemeClr val="tx1"/>
-          </a:fontRef>
-        </p:style>
-      </p:cxnSp>
-      <p:cxnSp>
-        <p:nvCxnSpPr>
-          <p:cNvPr id="94" name="Straight Arrow Connector 93">
-            <a:extLst>
-              <a:ext uri="{FF2B5EF4-FFF2-40B4-BE49-F238E27FC236}">
-                <a16:creationId xmlns:a16="http://schemas.microsoft.com/office/drawing/2014/main" id="{C1058B6C-9DBF-7647-B21D-135795C4DEE7}"/>
-              </a:ext>
-            </a:extLst>
-          </p:cNvPr>
-          <p:cNvCxnSpPr>
-            <a:cxnSpLocks/>
-          </p:cNvCxnSpPr>
-          <p:nvPr/>
-        </p:nvCxnSpPr>
-        <p:spPr>
-          <a:xfrm flipV="1">
-            <a:off x="8439649" y="2528470"/>
-            <a:ext cx="0" cy="1876198"/>
-          </a:xfrm>
-          <a:prstGeom prst="straightConnector1">
-            <a:avLst/>
-          </a:prstGeom>
-          <a:ln w="12700">
-            <a:solidFill>
-              <a:schemeClr val="accent1"/>
-            </a:solidFill>
-            <a:headEnd type="none"/>
-            <a:tailEnd type="none"/>
-          </a:ln>
-        </p:spPr>
-        <p:style>
-          <a:lnRef idx="1">
-            <a:schemeClr val="accent1"/>
-          </a:lnRef>
-          <a:fillRef idx="0">
-            <a:schemeClr val="accent1"/>
-          </a:fillRef>
-          <a:effectRef idx="0">
-            <a:schemeClr val="accent1"/>
-          </a:effectRef>
-          <a:fontRef idx="minor">
-            <a:schemeClr val="tx1"/>
-          </a:fontRef>
-        </p:style>
-      </p:cxnSp>
-      <p:cxnSp>
-        <p:nvCxnSpPr>
-          <p:cNvPr id="95" name="Straight Arrow Connector 94">
-            <a:extLst>
-              <a:ext uri="{FF2B5EF4-FFF2-40B4-BE49-F238E27FC236}">
-                <a16:creationId xmlns:a16="http://schemas.microsoft.com/office/drawing/2014/main" id="{C56C28A6-1561-174A-AF1E-9523D67CD90F}"/>
-              </a:ext>
-            </a:extLst>
-          </p:cNvPr>
-          <p:cNvCxnSpPr>
-            <a:cxnSpLocks/>
-          </p:cNvCxnSpPr>
-          <p:nvPr/>
-        </p:nvCxnSpPr>
-        <p:spPr>
-          <a:xfrm>
-            <a:off x="8439649" y="2528470"/>
-            <a:ext cx="284520" cy="0"/>
-          </a:xfrm>
-          <a:prstGeom prst="straightConnector1">
-            <a:avLst/>
-          </a:prstGeom>
-          <a:ln w="12700">
-            <a:solidFill>
-              <a:schemeClr val="accent1"/>
-            </a:solidFill>
-            <a:tailEnd type="triangle"/>
-          </a:ln>
-        </p:spPr>
-        <p:style>
-          <a:lnRef idx="1">
-            <a:schemeClr val="accent1"/>
-          </a:lnRef>
-          <a:fillRef idx="0">
-            <a:schemeClr val="accent1"/>
-          </a:fillRef>
-          <a:effectRef idx="0">
-            <a:schemeClr val="accent1"/>
-          </a:effectRef>
-          <a:fontRef idx="minor">
-            <a:schemeClr val="tx1"/>
-          </a:fontRef>
-        </p:style>
-      </p:cxnSp>
-      <p:cxnSp>
-        <p:nvCxnSpPr>
-          <p:cNvPr id="97" name="Straight Arrow Connector 96">
-            <a:extLst>
-              <a:ext uri="{FF2B5EF4-FFF2-40B4-BE49-F238E27FC236}">
-                <a16:creationId xmlns:a16="http://schemas.microsoft.com/office/drawing/2014/main" id="{DCC40F77-548A-8D47-AA35-53BE8BCE2DFD}"/>
-              </a:ext>
-            </a:extLst>
-          </p:cNvPr>
-          <p:cNvCxnSpPr>
-            <a:cxnSpLocks/>
-          </p:cNvCxnSpPr>
-          <p:nvPr/>
-        </p:nvCxnSpPr>
-        <p:spPr>
-          <a:xfrm>
-            <a:off x="8083598" y="3600250"/>
-            <a:ext cx="609385" cy="0"/>
-          </a:xfrm>
-          <a:prstGeom prst="straightConnector1">
-            <a:avLst/>
-          </a:prstGeom>
-          <a:ln w="12700">
-            <a:solidFill>
-              <a:schemeClr val="accent1"/>
-            </a:solidFill>
-            <a:headEnd type="none"/>
-            <a:tailEnd type="none"/>
-          </a:ln>
-        </p:spPr>
-        <p:style>
-          <a:lnRef idx="1">
-            <a:schemeClr val="accent1"/>
-          </a:lnRef>
-          <a:fillRef idx="0">
-            <a:schemeClr val="accent1"/>
-          </a:fillRef>
-          <a:effectRef idx="0">
-            <a:schemeClr val="accent1"/>
-          </a:effectRef>
-          <a:fontRef idx="minor">
-            <a:schemeClr val="tx1"/>
-          </a:fontRef>
-        </p:style>
-      </p:cxnSp>
-      <p:cxnSp>
-        <p:nvCxnSpPr>
-          <p:cNvPr id="100" name="Straight Arrow Connector 99">
-            <a:extLst>
-              <a:ext uri="{FF2B5EF4-FFF2-40B4-BE49-F238E27FC236}">
-                <a16:creationId xmlns:a16="http://schemas.microsoft.com/office/drawing/2014/main" id="{0EBED0D0-116B-A846-A6E3-CB748C0670A4}"/>
-              </a:ext>
-            </a:extLst>
-          </p:cNvPr>
-          <p:cNvCxnSpPr>
-            <a:cxnSpLocks/>
-          </p:cNvCxnSpPr>
-          <p:nvPr/>
-        </p:nvCxnSpPr>
-        <p:spPr>
-          <a:xfrm flipH="1">
-            <a:off x="7002521" y="3013353"/>
-            <a:ext cx="1081077" cy="0"/>
-          </a:xfrm>
-          <a:prstGeom prst="straightConnector1">
-            <a:avLst/>
-          </a:prstGeom>
-          <a:ln w="12700">
-            <a:solidFill>
-              <a:schemeClr val="accent1"/>
-            </a:solidFill>
-            <a:tailEnd type="triangle"/>
-          </a:ln>
-        </p:spPr>
-        <p:style>
-          <a:lnRef idx="1">
-            <a:schemeClr val="accent1"/>
-          </a:lnRef>
-          <a:fillRef idx="0">
-            <a:schemeClr val="accent1"/>
-          </a:fillRef>
-          <a:effectRef idx="0">
-            <a:schemeClr val="accent1"/>
-          </a:effectRef>
-          <a:fontRef idx="minor">
-            <a:schemeClr val="tx1"/>
-          </a:fontRef>
-        </p:style>
-      </p:cxnSp>
-      <p:cxnSp>
-        <p:nvCxnSpPr>
-          <p:cNvPr id="102" name="Straight Arrow Connector 101">
-            <a:extLst>
-              <a:ext uri="{FF2B5EF4-FFF2-40B4-BE49-F238E27FC236}">
-                <a16:creationId xmlns:a16="http://schemas.microsoft.com/office/drawing/2014/main" id="{BEA791B6-82D3-DA49-A889-349F53579C7C}"/>
-              </a:ext>
-            </a:extLst>
-          </p:cNvPr>
-          <p:cNvCxnSpPr>
-            <a:cxnSpLocks/>
-          </p:cNvCxnSpPr>
-          <p:nvPr/>
-        </p:nvCxnSpPr>
-        <p:spPr>
-          <a:xfrm flipV="1">
-            <a:off x="8083598" y="3013354"/>
-            <a:ext cx="0" cy="586896"/>
-          </a:xfrm>
-          <a:prstGeom prst="straightConnector1">
-            <a:avLst/>
-          </a:prstGeom>
-          <a:ln w="12700">
-            <a:solidFill>
-              <a:schemeClr val="accent1"/>
-            </a:solidFill>
-            <a:headEnd type="none"/>
-            <a:tailEnd type="none"/>
-          </a:ln>
-        </p:spPr>
-        <p:style>
-          <a:lnRef idx="1">
-            <a:schemeClr val="accent1"/>
-          </a:lnRef>
-          <a:fillRef idx="0">
-            <a:schemeClr val="accent1"/>
-          </a:fillRef>
-          <a:effectRef idx="0">
-            <a:schemeClr val="accent1"/>
-          </a:effectRef>
-          <a:fontRef idx="minor">
-            <a:schemeClr val="tx1"/>
-          </a:fontRef>
-        </p:style>
-      </p:cxnSp>
-      <p:cxnSp>
-        <p:nvCxnSpPr>
-          <p:cNvPr id="108" name="Straight Arrow Connector 107">
-            <a:extLst>
-              <a:ext uri="{FF2B5EF4-FFF2-40B4-BE49-F238E27FC236}">
-                <a16:creationId xmlns:a16="http://schemas.microsoft.com/office/drawing/2014/main" id="{D38F7D79-691F-414F-85E4-E51D79E0CA42}"/>
-              </a:ext>
-            </a:extLst>
-          </p:cNvPr>
-          <p:cNvCxnSpPr>
-            <a:cxnSpLocks/>
-          </p:cNvCxnSpPr>
-          <p:nvPr/>
-        </p:nvCxnSpPr>
-        <p:spPr>
-          <a:xfrm>
-            <a:off x="7367845" y="1992420"/>
-            <a:ext cx="791502" cy="0"/>
-          </a:xfrm>
-          <a:prstGeom prst="straightConnector1">
-            <a:avLst/>
-          </a:prstGeom>
-          <a:ln w="12700">
-            <a:solidFill>
-              <a:schemeClr val="accent1"/>
-            </a:solidFill>
-            <a:headEnd type="none"/>
-            <a:tailEnd type="none"/>
-          </a:ln>
-        </p:spPr>
-        <p:style>
-          <a:lnRef idx="1">
-            <a:schemeClr val="accent1"/>
-          </a:lnRef>
-          <a:fillRef idx="0">
-            <a:schemeClr val="accent1"/>
-          </a:fillRef>
-          <a:effectRef idx="0">
-            <a:schemeClr val="accent1"/>
-          </a:effectRef>
-          <a:fontRef idx="minor">
-            <a:schemeClr val="tx1"/>
-          </a:fontRef>
-        </p:style>
-      </p:cxnSp>
-      <p:cxnSp>
-        <p:nvCxnSpPr>
-          <p:cNvPr id="110" name="Straight Arrow Connector 109">
-            <a:extLst>
-              <a:ext uri="{FF2B5EF4-FFF2-40B4-BE49-F238E27FC236}">
-                <a16:creationId xmlns:a16="http://schemas.microsoft.com/office/drawing/2014/main" id="{9379A1C5-685A-C74F-BE3E-737067C07611}"/>
-              </a:ext>
-            </a:extLst>
-          </p:cNvPr>
-          <p:cNvCxnSpPr>
-            <a:cxnSpLocks/>
-          </p:cNvCxnSpPr>
-          <p:nvPr/>
-        </p:nvCxnSpPr>
-        <p:spPr>
-          <a:xfrm flipV="1">
-            <a:off x="8159347" y="1992420"/>
-            <a:ext cx="0" cy="479177"/>
-          </a:xfrm>
-          <a:prstGeom prst="straightConnector1">
-            <a:avLst/>
-          </a:prstGeom>
-          <a:ln w="12700">
-            <a:solidFill>
-              <a:schemeClr val="accent1"/>
-            </a:solidFill>
-            <a:headEnd type="none"/>
-            <a:tailEnd type="none"/>
-          </a:ln>
-        </p:spPr>
-        <p:style>
-          <a:lnRef idx="1">
-            <a:schemeClr val="accent1"/>
-          </a:lnRef>
-          <a:fillRef idx="0">
-            <a:schemeClr val="accent1"/>
-          </a:fillRef>
-          <a:effectRef idx="0">
-            <a:schemeClr val="accent1"/>
-          </a:effectRef>
-          <a:fontRef idx="minor">
-            <a:schemeClr val="tx1"/>
-          </a:fontRef>
-        </p:style>
-      </p:cxnSp>
-      <p:cxnSp>
-        <p:nvCxnSpPr>
-          <p:cNvPr id="111" name="Straight Arrow Connector 110">
-            <a:extLst>
-              <a:ext uri="{FF2B5EF4-FFF2-40B4-BE49-F238E27FC236}">
-                <a16:creationId xmlns:a16="http://schemas.microsoft.com/office/drawing/2014/main" id="{EEFD72FC-F97C-614E-8B26-B60334951934}"/>
-              </a:ext>
-            </a:extLst>
-          </p:cNvPr>
-          <p:cNvCxnSpPr>
-            <a:cxnSpLocks/>
-          </p:cNvCxnSpPr>
-          <p:nvPr/>
-        </p:nvCxnSpPr>
-        <p:spPr>
-          <a:xfrm>
-            <a:off x="8159347" y="2471597"/>
-            <a:ext cx="564822" cy="0"/>
-          </a:xfrm>
-          <a:prstGeom prst="straightConnector1">
-            <a:avLst/>
-          </a:prstGeom>
-          <a:ln w="12700">
-            <a:solidFill>
-              <a:schemeClr val="accent1"/>
-            </a:solidFill>
-            <a:tailEnd type="triangle"/>
-          </a:ln>
-        </p:spPr>
-        <p:style>
-          <a:lnRef idx="1">
-            <a:schemeClr val="accent1"/>
-          </a:lnRef>
-          <a:fillRef idx="0">
-            <a:schemeClr val="accent1"/>
-          </a:fillRef>
-          <a:effectRef idx="0">
-            <a:schemeClr val="accent1"/>
-          </a:effectRef>
-          <a:fontRef idx="minor">
-            <a:schemeClr val="tx1"/>
-          </a:fontRef>
-        </p:style>
-      </p:cxnSp>
-      <p:cxnSp>
-        <p:nvCxnSpPr>
-          <p:cNvPr id="115" name="Straight Arrow Connector 114">
-            <a:extLst>
-              <a:ext uri="{FF2B5EF4-FFF2-40B4-BE49-F238E27FC236}">
-                <a16:creationId xmlns:a16="http://schemas.microsoft.com/office/drawing/2014/main" id="{A966BB3D-B5C7-4D48-B835-5FEE8464E298}"/>
-              </a:ext>
-            </a:extLst>
-          </p:cNvPr>
-          <p:cNvCxnSpPr>
-            <a:cxnSpLocks/>
-          </p:cNvCxnSpPr>
-          <p:nvPr/>
-        </p:nvCxnSpPr>
-        <p:spPr>
-          <a:xfrm flipH="1">
-            <a:off x="9635624" y="2485112"/>
-            <a:ext cx="552376" cy="0"/>
-          </a:xfrm>
-          <a:prstGeom prst="straightConnector1">
-            <a:avLst/>
-          </a:prstGeom>
-          <a:ln w="12700">
-            <a:solidFill>
-              <a:schemeClr val="accent1"/>
-            </a:solidFill>
-            <a:tailEnd type="triangle"/>
-          </a:ln>
-        </p:spPr>
-        <p:style>
-          <a:lnRef idx="1">
-            <a:schemeClr val="accent1"/>
-          </a:lnRef>
-          <a:fillRef idx="0">
-            <a:schemeClr val="accent1"/>
-          </a:fillRef>
-          <a:effectRef idx="0">
-            <a:schemeClr val="accent1"/>
-          </a:effectRef>
-          <a:fontRef idx="minor">
-            <a:schemeClr val="tx1"/>
-          </a:fontRef>
-        </p:style>
-      </p:cxnSp>
-      <p:cxnSp>
-        <p:nvCxnSpPr>
-          <p:cNvPr id="117" name="Straight Arrow Connector 116">
-            <a:extLst>
-              <a:ext uri="{FF2B5EF4-FFF2-40B4-BE49-F238E27FC236}">
-                <a16:creationId xmlns:a16="http://schemas.microsoft.com/office/drawing/2014/main" id="{69F78ABA-164C-7947-A32D-07397C34E620}"/>
-              </a:ext>
-            </a:extLst>
-          </p:cNvPr>
-          <p:cNvCxnSpPr>
-            <a:cxnSpLocks/>
-          </p:cNvCxnSpPr>
-          <p:nvPr/>
-        </p:nvCxnSpPr>
-        <p:spPr>
-          <a:xfrm>
-            <a:off x="9581317" y="4148376"/>
-            <a:ext cx="606683" cy="0"/>
-          </a:xfrm>
-          <a:prstGeom prst="straightConnector1">
-            <a:avLst/>
-          </a:prstGeom>
-          <a:ln w="12700">
-            <a:solidFill>
-              <a:schemeClr val="accent1"/>
-            </a:solidFill>
-            <a:headEnd type="none"/>
-            <a:tailEnd type="none"/>
-          </a:ln>
-        </p:spPr>
-        <p:style>
-          <a:lnRef idx="1">
-            <a:schemeClr val="accent1"/>
-          </a:lnRef>
-          <a:fillRef idx="0">
-            <a:schemeClr val="accent1"/>
-          </a:fillRef>
-          <a:effectRef idx="0">
-            <a:schemeClr val="accent1"/>
-          </a:effectRef>
-          <a:fontRef idx="minor">
-            <a:schemeClr val="tx1"/>
-          </a:fontRef>
-        </p:style>
-      </p:cxnSp>
-      <p:cxnSp>
-        <p:nvCxnSpPr>
-          <p:cNvPr id="120" name="Straight Arrow Connector 119">
-            <a:extLst>
-              <a:ext uri="{FF2B5EF4-FFF2-40B4-BE49-F238E27FC236}">
-                <a16:creationId xmlns:a16="http://schemas.microsoft.com/office/drawing/2014/main" id="{BEA791D3-8E3E-8248-B88C-FD0104C3C02D}"/>
-              </a:ext>
-            </a:extLst>
-          </p:cNvPr>
-          <p:cNvCxnSpPr>
-            <a:cxnSpLocks/>
-          </p:cNvCxnSpPr>
-          <p:nvPr/>
-        </p:nvCxnSpPr>
-        <p:spPr>
-          <a:xfrm flipV="1">
-            <a:off x="10188000" y="2485112"/>
-            <a:ext cx="0" cy="1672567"/>
-          </a:xfrm>
-          <a:prstGeom prst="straightConnector1">
-            <a:avLst/>
-          </a:prstGeom>
-          <a:ln w="12700">
-            <a:solidFill>
-              <a:schemeClr val="accent1"/>
-            </a:solidFill>
-            <a:headEnd type="none"/>
-            <a:tailEnd type="none"/>
-          </a:ln>
-        </p:spPr>
-        <p:style>
-          <a:lnRef idx="1">
-            <a:schemeClr val="accent1"/>
-          </a:lnRef>
-          <a:fillRef idx="0">
-            <a:schemeClr val="accent1"/>
-          </a:fillRef>
-          <a:effectRef idx="0">
-            <a:schemeClr val="accent1"/>
-          </a:effectRef>
-          <a:fontRef idx="minor">
-            <a:schemeClr val="tx1"/>
-          </a:fontRef>
-        </p:style>
-      </p:cxnSp>
+        <p:txBody>
+          <a:bodyPr rtlCol="0" anchor="ctr"/>
+          <a:lstStyle/>
+          <a:p>
+            <a:r>
+              <a:rPr lang="en-US" sz="1400" dirty="0"/>
+              <a:t>Transactions</a:t>
+            </a:r>
+          </a:p>
+        </p:txBody>
+      </p:sp>
     </p:spTree>
     <p:extLst>
       <p:ext uri="{BB962C8B-B14F-4D97-AF65-F5344CB8AC3E}">
-        <p14:creationId xmlns:p14="http://schemas.microsoft.com/office/powerpoint/2010/main" val="1150880827"/>
+        <p14:creationId xmlns:p14="http://schemas.microsoft.com/office/powerpoint/2010/main" val="74987372"/>
       </p:ext>
     </p:extLst>
   </p:cSld>
